--- a/XNA workshop.pptx
+++ b/XNA workshop.pptx
@@ -5,7 +5,7 @@
     <p:sldMasterId id="2147483696" r:id="rId1"/>
   </p:sldMasterIdLst>
   <p:notesMasterIdLst>
-    <p:notesMasterId r:id="rId37"/>
+    <p:notesMasterId r:id="rId38"/>
   </p:notesMasterIdLst>
   <p:sldIdLst>
     <p:sldId id="256" r:id="rId2"/>
@@ -40,9 +40,10 @@
     <p:sldId id="291" r:id="rId31"/>
     <p:sldId id="292" r:id="rId32"/>
     <p:sldId id="293" r:id="rId33"/>
-    <p:sldId id="277" r:id="rId34"/>
-    <p:sldId id="279" r:id="rId35"/>
-    <p:sldId id="280" r:id="rId36"/>
+    <p:sldId id="294" r:id="rId34"/>
+    <p:sldId id="277" r:id="rId35"/>
+    <p:sldId id="279" r:id="rId36"/>
+    <p:sldId id="280" r:id="rId37"/>
   </p:sldIdLst>
   <p:sldSz cx="9144000" cy="6858000" type="screen4x3"/>
   <p:notesSz cx="6858000" cy="9144000"/>
@@ -25287,7 +25288,7 @@
       </p:grpSpPr>
       <p:sp>
         <p:nvSpPr>
-          <p:cNvPr id="3" name="Title 2"/>
+          <p:cNvPr id="2" name="Title 1"/>
           <p:cNvSpPr>
             <a:spLocks noGrp="1"/>
           </p:cNvSpPr>
@@ -25301,246 +25302,67 @@
           <a:lstStyle/>
           <a:p>
             <a:r>
-              <a:rPr lang="en-IE" dirty="0"/>
-              <a:t>What is a particle?</a:t>
-            </a:r>
-          </a:p>
-        </p:txBody>
-      </p:sp>
-      <p:pic>
-        <p:nvPicPr>
-          <p:cNvPr id="1026" name="Picture 2" descr="firework, katy perry, lights, lovely, pretty, spark"/>
-          <p:cNvPicPr>
-            <a:picLocks noChangeAspect="1" noChangeArrowheads="1"/>
-          </p:cNvPicPr>
-          <p:nvPr/>
-        </p:nvPicPr>
-        <p:blipFill>
-          <a:blip r:embed="rId2" cstate="print">
-            <a:extLst>
-              <a:ext uri="{28A0092B-C50C-407E-A947-70E740481C1C}">
-                <a14:useLocalDpi xmlns:a14="http://schemas.microsoft.com/office/drawing/2010/main" xmlns="" val="0"/>
-              </a:ext>
-            </a:extLst>
-          </a:blip>
-          <a:srcRect/>
-          <a:stretch>
-            <a:fillRect/>
-          </a:stretch>
-        </p:blipFill>
-        <p:spPr bwMode="auto">
-          <a:xfrm>
-            <a:off x="-1692696" y="3717032"/>
-            <a:ext cx="4762500" cy="3562351"/>
-          </a:xfrm>
-          <a:prstGeom prst="rect">
-            <a:avLst/>
-          </a:prstGeom>
-          <a:noFill/>
-        </p:spPr>
-      </p:pic>
-      <p:sp>
-        <p:nvSpPr>
-          <p:cNvPr id="2" name="Content Placeholder 1"/>
+              <a:rPr lang="en-IE" dirty="0" smtClean="0"/>
+              <a:t>Lab 4 A Star</a:t>
+            </a:r>
+            <a:endParaRPr lang="en-IE" dirty="0"/>
+          </a:p>
+        </p:txBody>
+      </p:sp>
+      <p:sp>
+        <p:nvSpPr>
+          <p:cNvPr id="3" name="Content Placeholder 2"/>
           <p:cNvSpPr>
             <a:spLocks noGrp="1"/>
           </p:cNvSpPr>
           <p:nvPr>
-            <p:ph idx="1"/>
+            <p:ph sz="quarter" idx="1"/>
           </p:nvPr>
         </p:nvSpPr>
-        <p:spPr>
-          <a:xfrm>
-            <a:off x="3275856" y="1556792"/>
-            <a:ext cx="4737720" cy="3657599"/>
-          </a:xfrm>
-        </p:spPr>
-        <p:txBody>
-          <a:bodyPr>
-            <a:normAutofit/>
-          </a:bodyPr>
-          <a:lstStyle/>
-          <a:p>
-            <a:pPr marL="18288" indent="0">
-              <a:buNone/>
-            </a:pPr>
-            <a:r>
-              <a:rPr lang="en-IE" sz="2400" dirty="0"/>
-              <a:t>A</a:t>
-            </a:r>
-            <a:r>
-              <a:rPr lang="en-IE" sz="2400" dirty="0" smtClean="0"/>
-              <a:t> </a:t>
-            </a:r>
-            <a:r>
-              <a:rPr lang="en-IE" sz="2400" dirty="0"/>
-              <a:t>particle typically represents a single component in a particle effect. A single spark </a:t>
-            </a:r>
-            <a:r>
-              <a:rPr lang="en-IE" sz="2400" dirty="0" smtClean="0"/>
-              <a:t>in a </a:t>
-            </a:r>
-            <a:r>
-              <a:rPr lang="en-IE" sz="2400" dirty="0"/>
-              <a:t>firework, a single element in a smoke plume, and a single flickering light in a </a:t>
-            </a:r>
-            <a:r>
-              <a:rPr lang="en-IE" sz="2400" dirty="0" smtClean="0"/>
-              <a:t>magical effect </a:t>
-            </a:r>
-            <a:r>
-              <a:rPr lang="en-IE" sz="2400" dirty="0"/>
-              <a:t>are all examples of particles. </a:t>
-            </a:r>
-            <a:endParaRPr lang="en-IE" sz="2400" dirty="0" smtClean="0"/>
-          </a:p>
-          <a:p>
-            <a:pPr marL="18288" indent="0">
-              <a:buNone/>
-            </a:pPr>
-            <a:endParaRPr lang="en-IE" sz="2400" dirty="0"/>
-          </a:p>
-        </p:txBody>
-      </p:sp>
-      <p:pic>
-        <p:nvPicPr>
-          <p:cNvPr id="1028" name="Picture 4" descr="http://3.bp.blogspot.com/-WM6bVzSmso8/TxEegPzd9FI/AAAAAAAAVhA/-o9G0CTqnD0/s1600/rain-drop.jpg"/>
-          <p:cNvPicPr>
-            <a:picLocks noChangeAspect="1" noChangeArrowheads="1"/>
-          </p:cNvPicPr>
-          <p:nvPr/>
-        </p:nvPicPr>
-        <p:blipFill>
-          <a:blip r:embed="rId3" cstate="print">
-            <a:extLst>
-              <a:ext uri="{28A0092B-C50C-407E-A947-70E740481C1C}">
-                <a14:useLocalDpi xmlns:a14="http://schemas.microsoft.com/office/drawing/2010/main" xmlns="" val="0"/>
-              </a:ext>
-            </a:extLst>
-          </a:blip>
-          <a:srcRect/>
-          <a:stretch>
-            <a:fillRect/>
-          </a:stretch>
-        </p:blipFill>
-        <p:spPr bwMode="auto">
-          <a:xfrm>
-            <a:off x="251520" y="1484784"/>
-            <a:ext cx="2381250" cy="2362200"/>
-          </a:xfrm>
-          <a:prstGeom prst="rect">
-            <a:avLst/>
-          </a:prstGeom>
-          <a:noFill/>
-          <a:extLst>
-            <a:ext uri="{909E8E84-426E-40DD-AFC4-6F175D3DCCD1}">
-              <a14:hiddenFill xmlns:a14="http://schemas.microsoft.com/office/drawing/2010/main" xmlns="">
-                <a:solidFill>
-                  <a:srgbClr val="FFFFFF"/>
-                </a:solidFill>
-              </a14:hiddenFill>
-            </a:ext>
-          </a:extLst>
-        </p:spPr>
-      </p:pic>
-      <p:sp>
-        <p:nvSpPr>
-          <p:cNvPr id="14" name="Oval 13"/>
-          <p:cNvSpPr/>
-          <p:nvPr/>
-        </p:nvSpPr>
-        <p:spPr>
-          <a:xfrm>
-            <a:off x="1284425" y="2924944"/>
-            <a:ext cx="432048" cy="576064"/>
-          </a:xfrm>
-          <a:prstGeom prst="ellipse">
-            <a:avLst/>
-          </a:prstGeom>
-          <a:noFill/>
-          <a:ln>
-            <a:solidFill>
-              <a:srgbClr val="FFFF00"/>
-            </a:solidFill>
-          </a:ln>
-        </p:spPr>
-        <p:style>
-          <a:lnRef idx="2">
-            <a:schemeClr val="accent1">
-              <a:shade val="50000"/>
-            </a:schemeClr>
-          </a:lnRef>
-          <a:fillRef idx="1">
-            <a:schemeClr val="accent1"/>
-          </a:fillRef>
-          <a:effectRef idx="0">
-            <a:schemeClr val="accent1"/>
-          </a:effectRef>
-          <a:fontRef idx="minor">
-            <a:schemeClr val="lt1"/>
-          </a:fontRef>
-        </p:style>
-        <p:txBody>
-          <a:bodyPr rtlCol="0" anchor="ctr"/>
-          <a:lstStyle/>
-          <a:p>
-            <a:pPr algn="ctr"/>
-            <a:endParaRPr lang="en-IE"/>
-          </a:p>
-        </p:txBody>
-      </p:sp>
-      <p:sp>
-        <p:nvSpPr>
-          <p:cNvPr id="17" name="Oval 16"/>
-          <p:cNvSpPr/>
-          <p:nvPr/>
-        </p:nvSpPr>
-        <p:spPr>
-          <a:xfrm>
-            <a:off x="2051720" y="5805264"/>
-            <a:ext cx="360041" cy="423689"/>
-          </a:xfrm>
-          <a:prstGeom prst="ellipse">
-            <a:avLst/>
-          </a:prstGeom>
-          <a:noFill/>
-          <a:ln>
-            <a:solidFill>
-              <a:srgbClr val="FFFF00"/>
-            </a:solidFill>
-          </a:ln>
-        </p:spPr>
-        <p:style>
-          <a:lnRef idx="2">
-            <a:schemeClr val="accent1">
-              <a:shade val="50000"/>
-            </a:schemeClr>
-          </a:lnRef>
-          <a:fillRef idx="1">
-            <a:schemeClr val="accent1"/>
-          </a:fillRef>
-          <a:effectRef idx="0">
-            <a:schemeClr val="accent1"/>
-          </a:effectRef>
-          <a:fontRef idx="minor">
-            <a:schemeClr val="lt1"/>
-          </a:fontRef>
-        </p:style>
-        <p:txBody>
-          <a:bodyPr rtlCol="0" anchor="ctr"/>
-          <a:lstStyle/>
-          <a:p>
-            <a:pPr algn="ctr"/>
-            <a:endParaRPr lang="en-IE"/>
+        <p:spPr/>
+        <p:txBody>
+          <a:bodyPr/>
+          <a:lstStyle/>
+          <a:p>
+            <a:r>
+              <a:rPr lang="en-IE" dirty="0" smtClean="0"/>
+              <a:t>Implement A star</a:t>
+            </a:r>
+            <a:endParaRPr lang="en-IE" dirty="0"/>
+          </a:p>
+        </p:txBody>
+      </p:sp>
+      <p:sp>
+        <p:nvSpPr>
+          <p:cNvPr id="4" name="TextBox 3"/>
+          <p:cNvSpPr txBox="1"/>
+          <p:nvPr/>
+        </p:nvSpPr>
+        <p:spPr>
+          <a:xfrm>
+            <a:off x="1259632" y="5589240"/>
+            <a:ext cx="5400600" cy="923330"/>
+          </a:xfrm>
+          <a:prstGeom prst="rect">
+            <a:avLst/>
+          </a:prstGeom>
+          <a:noFill/>
+        </p:spPr>
+        <p:txBody>
+          <a:bodyPr wrap="square" rtlCol="0">
+            <a:spAutoFit/>
+          </a:bodyPr>
+          <a:lstStyle/>
+          <a:p>
+            <a:r>
+              <a:rPr lang="en-IE" dirty="0" smtClean="0"/>
+              <a:t>http://www.gamedev.net/page/resources/_/technical/artificial-intelligence/a-pathfinding-for-beginners-r2003</a:t>
+            </a:r>
+            <a:endParaRPr lang="en-IE" dirty="0"/>
           </a:p>
         </p:txBody>
       </p:sp>
     </p:spTree>
-    <p:extLst>
-      <p:ext uri="{BB962C8B-B14F-4D97-AF65-F5344CB8AC3E}">
-        <p14:creationId xmlns:p14="http://schemas.microsoft.com/office/powerpoint/2010/main" xmlns="" val="3629648493"/>
-      </p:ext>
-    </p:extLst>
   </p:cSld>
   <p:clrMapOvr>
     <a:masterClrMapping/>
@@ -25567,6 +25389,286 @@
       </p:grpSpPr>
       <p:sp>
         <p:nvSpPr>
+          <p:cNvPr id="3" name="Title 2"/>
+          <p:cNvSpPr>
+            <a:spLocks noGrp="1"/>
+          </p:cNvSpPr>
+          <p:nvPr>
+            <p:ph type="title"/>
+          </p:nvPr>
+        </p:nvSpPr>
+        <p:spPr/>
+        <p:txBody>
+          <a:bodyPr/>
+          <a:lstStyle/>
+          <a:p>
+            <a:r>
+              <a:rPr lang="en-IE" dirty="0"/>
+              <a:t>What is a particle?</a:t>
+            </a:r>
+          </a:p>
+        </p:txBody>
+      </p:sp>
+      <p:pic>
+        <p:nvPicPr>
+          <p:cNvPr id="1026" name="Picture 2" descr="firework, katy perry, lights, lovely, pretty, spark"/>
+          <p:cNvPicPr>
+            <a:picLocks noChangeAspect="1" noChangeArrowheads="1"/>
+          </p:cNvPicPr>
+          <p:nvPr/>
+        </p:nvPicPr>
+        <p:blipFill>
+          <a:blip r:embed="rId2" cstate="print">
+            <a:extLst>
+              <a:ext uri="{28A0092B-C50C-407E-A947-70E740481C1C}">
+                <a14:useLocalDpi xmlns:a14="http://schemas.microsoft.com/office/drawing/2010/main" xmlns="" val="0"/>
+              </a:ext>
+            </a:extLst>
+          </a:blip>
+          <a:srcRect/>
+          <a:stretch>
+            <a:fillRect/>
+          </a:stretch>
+        </p:blipFill>
+        <p:spPr bwMode="auto">
+          <a:xfrm>
+            <a:off x="-1692696" y="3717032"/>
+            <a:ext cx="4762500" cy="3562351"/>
+          </a:xfrm>
+          <a:prstGeom prst="rect">
+            <a:avLst/>
+          </a:prstGeom>
+          <a:noFill/>
+        </p:spPr>
+      </p:pic>
+      <p:sp>
+        <p:nvSpPr>
+          <p:cNvPr id="2" name="Content Placeholder 1"/>
+          <p:cNvSpPr>
+            <a:spLocks noGrp="1"/>
+          </p:cNvSpPr>
+          <p:nvPr>
+            <p:ph idx="1"/>
+          </p:nvPr>
+        </p:nvSpPr>
+        <p:spPr>
+          <a:xfrm>
+            <a:off x="3275856" y="1556792"/>
+            <a:ext cx="4737720" cy="3657599"/>
+          </a:xfrm>
+        </p:spPr>
+        <p:txBody>
+          <a:bodyPr>
+            <a:normAutofit/>
+          </a:bodyPr>
+          <a:lstStyle/>
+          <a:p>
+            <a:pPr marL="18288" indent="0">
+              <a:buNone/>
+            </a:pPr>
+            <a:r>
+              <a:rPr lang="en-IE" sz="2400" dirty="0"/>
+              <a:t>A</a:t>
+            </a:r>
+            <a:r>
+              <a:rPr lang="en-IE" sz="2400" dirty="0" smtClean="0"/>
+              <a:t> </a:t>
+            </a:r>
+            <a:r>
+              <a:rPr lang="en-IE" sz="2400" dirty="0"/>
+              <a:t>particle typically represents a single component in a particle effect. A single spark </a:t>
+            </a:r>
+            <a:r>
+              <a:rPr lang="en-IE" sz="2400" dirty="0" smtClean="0"/>
+              <a:t>in a </a:t>
+            </a:r>
+            <a:r>
+              <a:rPr lang="en-IE" sz="2400" dirty="0"/>
+              <a:t>firework, a single element in a smoke plume, and a single flickering light in a </a:t>
+            </a:r>
+            <a:r>
+              <a:rPr lang="en-IE" sz="2400" dirty="0" smtClean="0"/>
+              <a:t>magical effect </a:t>
+            </a:r>
+            <a:r>
+              <a:rPr lang="en-IE" sz="2400" dirty="0"/>
+              <a:t>are all examples of particles. </a:t>
+            </a:r>
+            <a:endParaRPr lang="en-IE" sz="2400" dirty="0" smtClean="0"/>
+          </a:p>
+          <a:p>
+            <a:pPr marL="18288" indent="0">
+              <a:buNone/>
+            </a:pPr>
+            <a:endParaRPr lang="en-IE" sz="2400" dirty="0"/>
+          </a:p>
+        </p:txBody>
+      </p:sp>
+      <p:pic>
+        <p:nvPicPr>
+          <p:cNvPr id="1028" name="Picture 4" descr="http://3.bp.blogspot.com/-WM6bVzSmso8/TxEegPzd9FI/AAAAAAAAVhA/-o9G0CTqnD0/s1600/rain-drop.jpg"/>
+          <p:cNvPicPr>
+            <a:picLocks noChangeAspect="1" noChangeArrowheads="1"/>
+          </p:cNvPicPr>
+          <p:nvPr/>
+        </p:nvPicPr>
+        <p:blipFill>
+          <a:blip r:embed="rId3" cstate="print">
+            <a:extLst>
+              <a:ext uri="{28A0092B-C50C-407E-A947-70E740481C1C}">
+                <a14:useLocalDpi xmlns:a14="http://schemas.microsoft.com/office/drawing/2010/main" xmlns="" val="0"/>
+              </a:ext>
+            </a:extLst>
+          </a:blip>
+          <a:srcRect/>
+          <a:stretch>
+            <a:fillRect/>
+          </a:stretch>
+        </p:blipFill>
+        <p:spPr bwMode="auto">
+          <a:xfrm>
+            <a:off x="251520" y="1484784"/>
+            <a:ext cx="2381250" cy="2362200"/>
+          </a:xfrm>
+          <a:prstGeom prst="rect">
+            <a:avLst/>
+          </a:prstGeom>
+          <a:noFill/>
+          <a:extLst>
+            <a:ext uri="{909E8E84-426E-40DD-AFC4-6F175D3DCCD1}">
+              <a14:hiddenFill xmlns:a14="http://schemas.microsoft.com/office/drawing/2010/main" xmlns="">
+                <a:solidFill>
+                  <a:srgbClr val="FFFFFF"/>
+                </a:solidFill>
+              </a14:hiddenFill>
+            </a:ext>
+          </a:extLst>
+        </p:spPr>
+      </p:pic>
+      <p:sp>
+        <p:nvSpPr>
+          <p:cNvPr id="14" name="Oval 13"/>
+          <p:cNvSpPr/>
+          <p:nvPr/>
+        </p:nvSpPr>
+        <p:spPr>
+          <a:xfrm>
+            <a:off x="1284425" y="2924944"/>
+            <a:ext cx="432048" cy="576064"/>
+          </a:xfrm>
+          <a:prstGeom prst="ellipse">
+            <a:avLst/>
+          </a:prstGeom>
+          <a:noFill/>
+          <a:ln>
+            <a:solidFill>
+              <a:srgbClr val="FFFF00"/>
+            </a:solidFill>
+          </a:ln>
+        </p:spPr>
+        <p:style>
+          <a:lnRef idx="2">
+            <a:schemeClr val="accent1">
+              <a:shade val="50000"/>
+            </a:schemeClr>
+          </a:lnRef>
+          <a:fillRef idx="1">
+            <a:schemeClr val="accent1"/>
+          </a:fillRef>
+          <a:effectRef idx="0">
+            <a:schemeClr val="accent1"/>
+          </a:effectRef>
+          <a:fontRef idx="minor">
+            <a:schemeClr val="lt1"/>
+          </a:fontRef>
+        </p:style>
+        <p:txBody>
+          <a:bodyPr rtlCol="0" anchor="ctr"/>
+          <a:lstStyle/>
+          <a:p>
+            <a:pPr algn="ctr"/>
+            <a:endParaRPr lang="en-IE"/>
+          </a:p>
+        </p:txBody>
+      </p:sp>
+      <p:sp>
+        <p:nvSpPr>
+          <p:cNvPr id="17" name="Oval 16"/>
+          <p:cNvSpPr/>
+          <p:nvPr/>
+        </p:nvSpPr>
+        <p:spPr>
+          <a:xfrm>
+            <a:off x="2051720" y="5805264"/>
+            <a:ext cx="360041" cy="423689"/>
+          </a:xfrm>
+          <a:prstGeom prst="ellipse">
+            <a:avLst/>
+          </a:prstGeom>
+          <a:noFill/>
+          <a:ln>
+            <a:solidFill>
+              <a:srgbClr val="FFFF00"/>
+            </a:solidFill>
+          </a:ln>
+        </p:spPr>
+        <p:style>
+          <a:lnRef idx="2">
+            <a:schemeClr val="accent1">
+              <a:shade val="50000"/>
+            </a:schemeClr>
+          </a:lnRef>
+          <a:fillRef idx="1">
+            <a:schemeClr val="accent1"/>
+          </a:fillRef>
+          <a:effectRef idx="0">
+            <a:schemeClr val="accent1"/>
+          </a:effectRef>
+          <a:fontRef idx="minor">
+            <a:schemeClr val="lt1"/>
+          </a:fontRef>
+        </p:style>
+        <p:txBody>
+          <a:bodyPr rtlCol="0" anchor="ctr"/>
+          <a:lstStyle/>
+          <a:p>
+            <a:pPr algn="ctr"/>
+            <a:endParaRPr lang="en-IE"/>
+          </a:p>
+        </p:txBody>
+      </p:sp>
+    </p:spTree>
+    <p:extLst>
+      <p:ext uri="{BB962C8B-B14F-4D97-AF65-F5344CB8AC3E}">
+        <p14:creationId xmlns:p14="http://schemas.microsoft.com/office/powerpoint/2010/main" xmlns="" val="3629648493"/>
+      </p:ext>
+    </p:extLst>
+  </p:cSld>
+  <p:clrMapOvr>
+    <a:masterClrMapping/>
+  </p:clrMapOvr>
+</p:sld>
+</file>
+
+<file path=ppt/slides/slide35.xml><?xml version="1.0" encoding="utf-8"?>
+<p:sld xmlns:a="http://schemas.openxmlformats.org/drawingml/2006/main" xmlns:r="http://schemas.openxmlformats.org/officeDocument/2006/relationships" xmlns:p="http://schemas.openxmlformats.org/presentationml/2006/main">
+  <p:cSld>
+    <p:spTree>
+      <p:nvGrpSpPr>
+        <p:cNvPr id="1" name=""/>
+        <p:cNvGrpSpPr/>
+        <p:nvPr/>
+      </p:nvGrpSpPr>
+      <p:grpSpPr>
+        <a:xfrm>
+          <a:off x="0" y="0"/>
+          <a:ext cx="0" cy="0"/>
+          <a:chOff x="0" y="0"/>
+          <a:chExt cx="0" cy="0"/>
+        </a:xfrm>
+      </p:grpSpPr>
+      <p:sp>
+        <p:nvSpPr>
           <p:cNvPr id="5" name="Content Placeholder 4"/>
           <p:cNvSpPr>
             <a:spLocks noGrp="1"/>
@@ -25628,7 +25730,7 @@
 </p:sld>
 </file>
 
-<file path=ppt/slides/slide35.xml><?xml version="1.0" encoding="utf-8"?>
+<file path=ppt/slides/slide36.xml><?xml version="1.0" encoding="utf-8"?>
 <p:sld xmlns:a="http://schemas.openxmlformats.org/drawingml/2006/main" xmlns:r="http://schemas.openxmlformats.org/officeDocument/2006/relationships" xmlns:p="http://schemas.openxmlformats.org/presentationml/2006/main">
   <p:cSld>
     <p:spTree>

--- a/XNA workshop.pptx
+++ b/XNA workshop.pptx
@@ -5,7 +5,7 @@
     <p:sldMasterId id="2147483696" r:id="rId1"/>
   </p:sldMasterIdLst>
   <p:notesMasterIdLst>
-    <p:notesMasterId r:id="rId38"/>
+    <p:notesMasterId r:id="rId42"/>
   </p:notesMasterIdLst>
   <p:sldIdLst>
     <p:sldId id="256" r:id="rId2"/>
@@ -44,6 +44,10 @@
     <p:sldId id="277" r:id="rId35"/>
     <p:sldId id="279" r:id="rId36"/>
     <p:sldId id="280" r:id="rId37"/>
+    <p:sldId id="295" r:id="rId38"/>
+    <p:sldId id="296" r:id="rId39"/>
+    <p:sldId id="297" r:id="rId40"/>
+    <p:sldId id="298" r:id="rId41"/>
   </p:sldIdLst>
   <p:sldSz cx="9144000" cy="6858000" type="screen4x3"/>
   <p:notesSz cx="6858000" cy="9144000"/>
@@ -228,7 +232,7 @@
             <a:fld id="{212C7520-DD16-4571-8BAE-2EC07B045985}" type="datetimeFigureOut">
               <a:rPr lang="en-IE" smtClean="0"/>
               <a:pPr/>
-              <a:t>05/11/2012</a:t>
+              <a:t>07/11/2012</a:t>
             </a:fld>
             <a:endParaRPr lang="en-IE"/>
           </a:p>
@@ -397,6 +401,11 @@
         </p:txBody>
       </p:sp>
     </p:spTree>
+    <p:extLst>
+      <p:ext uri="{BB962C8B-B14F-4D97-AF65-F5344CB8AC3E}">
+        <p14:creationId xmlns:p14="http://schemas.microsoft.com/office/powerpoint/2010/main" val="2006042524"/>
+      </p:ext>
+    </p:extLst>
   </p:cSld>
   <p:clrMap bg1="lt1" tx1="dk1" bg2="lt2" tx2="dk2" accent1="accent1" accent2="accent2" accent3="accent3" accent4="accent4" accent5="accent5" accent6="accent6" hlink="hlink" folHlink="folHlink"/>
   <p:notesStyle>
@@ -705,7 +714,7 @@
     </p:spTree>
     <p:extLst>
       <p:ext uri="{BB962C8B-B14F-4D97-AF65-F5344CB8AC3E}">
-        <p14:creationId xmlns:p14="http://schemas.microsoft.com/office/powerpoint/2010/main" xmlns="" val="1767057334"/>
+        <p14:creationId xmlns:p14="http://schemas.microsoft.com/office/powerpoint/2010/main" val="1767057334"/>
       </p:ext>
     </p:extLst>
   </p:cSld>
@@ -1197,7 +1206,7 @@
     </p:spTree>
     <p:extLst>
       <p:ext uri="{BB962C8B-B14F-4D97-AF65-F5344CB8AC3E}">
-        <p14:creationId xmlns:p14="http://schemas.microsoft.com/office/powerpoint/2010/main" xmlns="" val="798343041"/>
+        <p14:creationId xmlns:p14="http://schemas.microsoft.com/office/powerpoint/2010/main" val="798343041"/>
       </p:ext>
     </p:extLst>
   </p:cSld>
@@ -1345,7 +1354,7 @@
             <a:fld id="{B3408C67-D4E8-4FC0-AC6B-66597DCDBF39}" type="datetimeFigureOut">
               <a:rPr lang="en-IE" smtClean="0"/>
               <a:pPr/>
-              <a:t>05/11/2012</a:t>
+              <a:t>07/11/2012</a:t>
             </a:fld>
             <a:endParaRPr lang="en-IE"/>
           </a:p>
@@ -2216,7 +2225,7 @@
             <a:fld id="{B3408C67-D4E8-4FC0-AC6B-66597DCDBF39}" type="datetimeFigureOut">
               <a:rPr lang="en-IE" smtClean="0"/>
               <a:pPr/>
-              <a:t>05/11/2012</a:t>
+              <a:t>07/11/2012</a:t>
             </a:fld>
             <a:endParaRPr lang="en-IE"/>
           </a:p>
@@ -2393,7 +2402,7 @@
             <a:fld id="{B3408C67-D4E8-4FC0-AC6B-66597DCDBF39}" type="datetimeFigureOut">
               <a:rPr lang="en-IE" smtClean="0"/>
               <a:pPr/>
-              <a:t>05/11/2012</a:t>
+              <a:t>07/11/2012</a:t>
             </a:fld>
             <a:endParaRPr lang="en-IE"/>
           </a:p>
@@ -2565,7 +2574,7 @@
             <a:fld id="{B3408C67-D4E8-4FC0-AC6B-66597DCDBF39}" type="datetimeFigureOut">
               <a:rPr lang="en-IE" smtClean="0"/>
               <a:pPr/>
-              <a:t>05/11/2012</a:t>
+              <a:t>07/11/2012</a:t>
             </a:fld>
             <a:endParaRPr lang="en-IE"/>
           </a:p>
@@ -2777,7 +2786,7 @@
             <a:fld id="{B3408C67-D4E8-4FC0-AC6B-66597DCDBF39}" type="datetimeFigureOut">
               <a:rPr lang="en-IE" smtClean="0"/>
               <a:pPr/>
-              <a:t>05/11/2012</a:t>
+              <a:t>07/11/2012</a:t>
             </a:fld>
             <a:endParaRPr lang="en-IE"/>
           </a:p>
@@ -3593,7 +3602,7 @@
             <a:fld id="{B3408C67-D4E8-4FC0-AC6B-66597DCDBF39}" type="datetimeFigureOut">
               <a:rPr lang="en-IE" smtClean="0"/>
               <a:pPr/>
-              <a:t>05/11/2012</a:t>
+              <a:t>07/11/2012</a:t>
             </a:fld>
             <a:endParaRPr lang="en-IE"/>
           </a:p>
@@ -3831,7 +3840,7 @@
             <a:fld id="{B3408C67-D4E8-4FC0-AC6B-66597DCDBF39}" type="datetimeFigureOut">
               <a:rPr lang="en-IE" smtClean="0"/>
               <a:pPr/>
-              <a:t>05/11/2012</a:t>
+              <a:t>07/11/2012</a:t>
             </a:fld>
             <a:endParaRPr lang="en-IE"/>
           </a:p>
@@ -4156,7 +4165,7 @@
             <a:fld id="{B3408C67-D4E8-4FC0-AC6B-66597DCDBF39}" type="datetimeFigureOut">
               <a:rPr lang="en-IE" smtClean="0"/>
               <a:pPr/>
-              <a:t>05/11/2012</a:t>
+              <a:t>07/11/2012</a:t>
             </a:fld>
             <a:endParaRPr lang="en-IE"/>
           </a:p>
@@ -4248,7 +4257,7 @@
             <a:fld id="{B3408C67-D4E8-4FC0-AC6B-66597DCDBF39}" type="datetimeFigureOut">
               <a:rPr lang="en-IE" smtClean="0"/>
               <a:pPr/>
-              <a:t>05/11/2012</a:t>
+              <a:t>07/11/2012</a:t>
             </a:fld>
             <a:endParaRPr lang="en-IE"/>
           </a:p>
@@ -4767,7 +4776,7 @@
             <a:fld id="{B3408C67-D4E8-4FC0-AC6B-66597DCDBF39}" type="datetimeFigureOut">
               <a:rPr lang="en-IE" smtClean="0"/>
               <a:pPr/>
-              <a:t>05/11/2012</a:t>
+              <a:t>07/11/2012</a:t>
             </a:fld>
             <a:endParaRPr lang="en-IE"/>
           </a:p>
@@ -5280,7 +5289,7 @@
             <a:fld id="{B3408C67-D4E8-4FC0-AC6B-66597DCDBF39}" type="datetimeFigureOut">
               <a:rPr lang="en-IE" smtClean="0"/>
               <a:pPr/>
-              <a:t>05/11/2012</a:t>
+              <a:t>07/11/2012</a:t>
             </a:fld>
             <a:endParaRPr lang="en-IE"/>
           </a:p>
@@ -5527,7 +5536,7 @@
             <a:fld id="{B3408C67-D4E8-4FC0-AC6B-66597DCDBF39}" type="datetimeFigureOut">
               <a:rPr lang="en-IE" smtClean="0"/>
               <a:pPr/>
-              <a:t>05/11/2012</a:t>
+              <a:t>07/11/2012</a:t>
             </a:fld>
             <a:endParaRPr lang="en-IE"/>
           </a:p>
@@ -6976,7 +6985,7 @@
     </p:spTree>
     <p:extLst>
       <p:ext uri="{BB962C8B-B14F-4D97-AF65-F5344CB8AC3E}">
-        <p14:creationId xmlns:p14="http://schemas.microsoft.com/office/powerpoint/2010/main" xmlns="" val="2007908278"/>
+        <p14:creationId xmlns:p14="http://schemas.microsoft.com/office/powerpoint/2010/main" val="2007908278"/>
       </p:ext>
     </p:extLst>
   </p:cSld>
@@ -7320,11 +7329,7 @@
           <a:p>
             <a:r>
               <a:rPr lang="en-IE" dirty="0" smtClean="0"/>
-              <a:t>To </a:t>
-            </a:r>
-            <a:r>
-              <a:rPr lang="en-IE" dirty="0" smtClean="0"/>
-              <a:t>combine two </a:t>
+              <a:t>To combine two </a:t>
             </a:r>
             <a:r>
               <a:rPr lang="en-IE" dirty="0" err="1" smtClean="0"/>
@@ -7948,7 +7953,7 @@
     </p:spTree>
     <p:extLst>
       <p:ext uri="{BB962C8B-B14F-4D97-AF65-F5344CB8AC3E}">
-        <p14:creationId xmlns:p14="http://schemas.microsoft.com/office/powerpoint/2010/main" xmlns="" val="18473020"/>
+        <p14:creationId xmlns:p14="http://schemas.microsoft.com/office/powerpoint/2010/main" val="18473020"/>
       </p:ext>
     </p:extLst>
   </p:cSld>
@@ -8384,7 +8389,7 @@
     </p:spTree>
     <p:extLst>
       <p:ext uri="{BB962C8B-B14F-4D97-AF65-F5344CB8AC3E}">
-        <p14:creationId xmlns:p14="http://schemas.microsoft.com/office/powerpoint/2010/main" xmlns="" val="676932690"/>
+        <p14:creationId xmlns:p14="http://schemas.microsoft.com/office/powerpoint/2010/main" val="676932690"/>
       </p:ext>
     </p:extLst>
   </p:cSld>
@@ -9626,7 +9631,7 @@
     </p:spTree>
     <p:extLst>
       <p:ext uri="{BB962C8B-B14F-4D97-AF65-F5344CB8AC3E}">
-        <p14:creationId xmlns:p14="http://schemas.microsoft.com/office/powerpoint/2010/main" xmlns="" val="2973926452"/>
+        <p14:creationId xmlns:p14="http://schemas.microsoft.com/office/powerpoint/2010/main" val="2973926452"/>
       </p:ext>
     </p:extLst>
   </p:cSld>
@@ -11336,7 +11341,7 @@
     </p:spTree>
     <p:extLst>
       <p:ext uri="{BB962C8B-B14F-4D97-AF65-F5344CB8AC3E}">
-        <p14:creationId xmlns:p14="http://schemas.microsoft.com/office/powerpoint/2010/main" xmlns="" val="3344442501"/>
+        <p14:creationId xmlns:p14="http://schemas.microsoft.com/office/powerpoint/2010/main" val="3344442501"/>
       </p:ext>
     </p:extLst>
   </p:cSld>
@@ -13094,7 +13099,7 @@
     </p:spTree>
     <p:extLst>
       <p:ext uri="{BB962C8B-B14F-4D97-AF65-F5344CB8AC3E}">
-        <p14:creationId xmlns:p14="http://schemas.microsoft.com/office/powerpoint/2010/main" xmlns="" val="774821853"/>
+        <p14:creationId xmlns:p14="http://schemas.microsoft.com/office/powerpoint/2010/main" val="774821853"/>
       </p:ext>
     </p:extLst>
   </p:cSld>
@@ -14696,7 +14701,7 @@
     </p:spTree>
     <p:extLst>
       <p:ext uri="{BB962C8B-B14F-4D97-AF65-F5344CB8AC3E}">
-        <p14:creationId xmlns:p14="http://schemas.microsoft.com/office/powerpoint/2010/main" xmlns="" val="398476613"/>
+        <p14:creationId xmlns:p14="http://schemas.microsoft.com/office/powerpoint/2010/main" val="398476613"/>
       </p:ext>
     </p:extLst>
   </p:cSld>
@@ -16226,7 +16231,7 @@
     </p:spTree>
     <p:extLst>
       <p:ext uri="{BB962C8B-B14F-4D97-AF65-F5344CB8AC3E}">
-        <p14:creationId xmlns:p14="http://schemas.microsoft.com/office/powerpoint/2010/main" xmlns="" val="1885484667"/>
+        <p14:creationId xmlns:p14="http://schemas.microsoft.com/office/powerpoint/2010/main" val="1885484667"/>
       </p:ext>
     </p:extLst>
   </p:cSld>
@@ -17876,7 +17881,7 @@
     </p:spTree>
     <p:extLst>
       <p:ext uri="{BB962C8B-B14F-4D97-AF65-F5344CB8AC3E}">
-        <p14:creationId xmlns:p14="http://schemas.microsoft.com/office/powerpoint/2010/main" xmlns="" val="3798903099"/>
+        <p14:creationId xmlns:p14="http://schemas.microsoft.com/office/powerpoint/2010/main" val="3798903099"/>
       </p:ext>
     </p:extLst>
   </p:cSld>
@@ -19491,7 +19496,7 @@
     </p:spTree>
     <p:extLst>
       <p:ext uri="{BB962C8B-B14F-4D97-AF65-F5344CB8AC3E}">
-        <p14:creationId xmlns:p14="http://schemas.microsoft.com/office/powerpoint/2010/main" xmlns="" val="1953946291"/>
+        <p14:creationId xmlns:p14="http://schemas.microsoft.com/office/powerpoint/2010/main" val="1953946291"/>
       </p:ext>
     </p:extLst>
   </p:cSld>
@@ -21635,7 +21640,7 @@
     </p:spTree>
     <p:extLst>
       <p:ext uri="{BB962C8B-B14F-4D97-AF65-F5344CB8AC3E}">
-        <p14:creationId xmlns:p14="http://schemas.microsoft.com/office/powerpoint/2010/main" xmlns="" val="1384111049"/>
+        <p14:creationId xmlns:p14="http://schemas.microsoft.com/office/powerpoint/2010/main" val="1384111049"/>
       </p:ext>
     </p:extLst>
   </p:cSld>
@@ -23783,7 +23788,7 @@
     </p:spTree>
     <p:extLst>
       <p:ext uri="{BB962C8B-B14F-4D97-AF65-F5344CB8AC3E}">
-        <p14:creationId xmlns:p14="http://schemas.microsoft.com/office/powerpoint/2010/main" xmlns="" val="2935688045"/>
+        <p14:creationId xmlns:p14="http://schemas.microsoft.com/office/powerpoint/2010/main" val="2935688045"/>
       </p:ext>
     </p:extLst>
   </p:cSld>
@@ -23888,7 +23893,7 @@
     </p:spTree>
     <p:extLst>
       <p:ext uri="{BB962C8B-B14F-4D97-AF65-F5344CB8AC3E}">
-        <p14:creationId xmlns:p14="http://schemas.microsoft.com/office/powerpoint/2010/main" xmlns="" val="4270030710"/>
+        <p14:creationId xmlns:p14="http://schemas.microsoft.com/office/powerpoint/2010/main" val="4270030710"/>
       </p:ext>
     </p:extLst>
   </p:cSld>
@@ -24045,7 +24050,7 @@
     </p:spTree>
     <p:extLst>
       <p:ext uri="{BB962C8B-B14F-4D97-AF65-F5344CB8AC3E}">
-        <p14:creationId xmlns:p14="http://schemas.microsoft.com/office/powerpoint/2010/main" xmlns="" val="3590507880"/>
+        <p14:creationId xmlns:p14="http://schemas.microsoft.com/office/powerpoint/2010/main" val="3590507880"/>
       </p:ext>
     </p:extLst>
   </p:cSld>
@@ -24084,7 +24089,7 @@
           <a:blip r:embed="rId2" cstate="print">
             <a:extLst>
               <a:ext uri="{28A0092B-C50C-407E-A947-70E740481C1C}">
-                <a14:useLocalDpi xmlns:a14="http://schemas.microsoft.com/office/drawing/2010/main" xmlns="" val="0"/>
+                <a14:useLocalDpi xmlns:a14="http://schemas.microsoft.com/office/drawing/2010/main" val="0"/>
               </a:ext>
             </a:extLst>
           </a:blip>
@@ -24108,14 +24113,14 @@
           <a:effectLst/>
           <a:extLst>
             <a:ext uri="{909E8E84-426E-40DD-AFC4-6F175D3DCCD1}">
-              <a14:hiddenFill xmlns:a14="http://schemas.microsoft.com/office/drawing/2010/main" xmlns="">
+              <a14:hiddenFill xmlns:a14="http://schemas.microsoft.com/office/drawing/2010/main">
                 <a:solidFill>
                   <a:schemeClr val="accent1"/>
                 </a:solidFill>
               </a14:hiddenFill>
             </a:ext>
             <a:ext uri="{91240B29-F687-4F45-9708-019B960494DF}">
-              <a14:hiddenLine xmlns:a14="http://schemas.microsoft.com/office/drawing/2010/main" xmlns="" w="9525">
+              <a14:hiddenLine xmlns:a14="http://schemas.microsoft.com/office/drawing/2010/main" w="9525">
                 <a:solidFill>
                   <a:schemeClr val="tx1"/>
                 </a:solidFill>
@@ -24125,7 +24130,7 @@
               </a14:hiddenLine>
             </a:ext>
             <a:ext uri="{AF507438-7753-43E0-B8FC-AC1667EBCBE1}">
-              <a14:hiddenEffects xmlns:a14="http://schemas.microsoft.com/office/drawing/2010/main" xmlns="">
+              <a14:hiddenEffects xmlns:a14="http://schemas.microsoft.com/office/drawing/2010/main">
                 <a:effectLst>
                   <a:outerShdw dist="35921" dir="2700000" algn="ctr" rotWithShape="0">
                     <a:schemeClr val="bg2"/>
@@ -24139,7 +24144,7 @@
     </p:spTree>
     <p:extLst>
       <p:ext uri="{BB962C8B-B14F-4D97-AF65-F5344CB8AC3E}">
-        <p14:creationId xmlns:p14="http://schemas.microsoft.com/office/powerpoint/2010/main" xmlns="" val="1354126801"/>
+        <p14:creationId xmlns:p14="http://schemas.microsoft.com/office/powerpoint/2010/main" val="1354126801"/>
       </p:ext>
     </p:extLst>
   </p:cSld>
@@ -24178,7 +24183,7 @@
           <a:blip r:embed="rId2" cstate="print">
             <a:extLst>
               <a:ext uri="{28A0092B-C50C-407E-A947-70E740481C1C}">
-                <a14:useLocalDpi xmlns:a14="http://schemas.microsoft.com/office/drawing/2010/main" xmlns="" val="0"/>
+                <a14:useLocalDpi xmlns:a14="http://schemas.microsoft.com/office/drawing/2010/main" val="0"/>
               </a:ext>
             </a:extLst>
           </a:blip>
@@ -24202,14 +24207,14 @@
           <a:effectLst/>
           <a:extLst>
             <a:ext uri="{909E8E84-426E-40DD-AFC4-6F175D3DCCD1}">
-              <a14:hiddenFill xmlns:a14="http://schemas.microsoft.com/office/drawing/2010/main" xmlns="">
+              <a14:hiddenFill xmlns:a14="http://schemas.microsoft.com/office/drawing/2010/main">
                 <a:solidFill>
                   <a:schemeClr val="accent1"/>
                 </a:solidFill>
               </a14:hiddenFill>
             </a:ext>
             <a:ext uri="{91240B29-F687-4F45-9708-019B960494DF}">
-              <a14:hiddenLine xmlns:a14="http://schemas.microsoft.com/office/drawing/2010/main" xmlns="" w="9525">
+              <a14:hiddenLine xmlns:a14="http://schemas.microsoft.com/office/drawing/2010/main" w="9525">
                 <a:solidFill>
                   <a:schemeClr val="tx1"/>
                 </a:solidFill>
@@ -24219,7 +24224,7 @@
               </a14:hiddenLine>
             </a:ext>
             <a:ext uri="{AF507438-7753-43E0-B8FC-AC1667EBCBE1}">
-              <a14:hiddenEffects xmlns:a14="http://schemas.microsoft.com/office/drawing/2010/main" xmlns="">
+              <a14:hiddenEffects xmlns:a14="http://schemas.microsoft.com/office/drawing/2010/main">
                 <a:effectLst>
                   <a:outerShdw dist="35921" dir="2700000" algn="ctr" rotWithShape="0">
                     <a:schemeClr val="bg2"/>
@@ -25259,7 +25264,7 @@
     </p:spTree>
     <p:extLst>
       <p:ext uri="{BB962C8B-B14F-4D97-AF65-F5344CB8AC3E}">
-        <p14:creationId xmlns:p14="http://schemas.microsoft.com/office/powerpoint/2010/main" xmlns="" val="1462662159"/>
+        <p14:creationId xmlns:p14="http://schemas.microsoft.com/office/powerpoint/2010/main" val="1462662159"/>
       </p:ext>
     </p:extLst>
   </p:cSld>
@@ -25421,7 +25426,7 @@
           <a:blip r:embed="rId2" cstate="print">
             <a:extLst>
               <a:ext uri="{28A0092B-C50C-407E-A947-70E740481C1C}">
-                <a14:useLocalDpi xmlns:a14="http://schemas.microsoft.com/office/drawing/2010/main" xmlns="" val="0"/>
+                <a14:useLocalDpi xmlns:a14="http://schemas.microsoft.com/office/drawing/2010/main" val="0"/>
               </a:ext>
             </a:extLst>
           </a:blip>
@@ -25516,7 +25521,7 @@
           <a:blip r:embed="rId3" cstate="print">
             <a:extLst>
               <a:ext uri="{28A0092B-C50C-407E-A947-70E740481C1C}">
-                <a14:useLocalDpi xmlns:a14="http://schemas.microsoft.com/office/drawing/2010/main" xmlns="" val="0"/>
+                <a14:useLocalDpi xmlns:a14="http://schemas.microsoft.com/office/drawing/2010/main" val="0"/>
               </a:ext>
             </a:extLst>
           </a:blip>
@@ -25536,7 +25541,7 @@
           <a:noFill/>
           <a:extLst>
             <a:ext uri="{909E8E84-426E-40DD-AFC4-6F175D3DCCD1}">
-              <a14:hiddenFill xmlns:a14="http://schemas.microsoft.com/office/drawing/2010/main" xmlns="">
+              <a14:hiddenFill xmlns:a14="http://schemas.microsoft.com/office/drawing/2010/main">
                 <a:solidFill>
                   <a:srgbClr val="FFFFFF"/>
                 </a:solidFill>
@@ -25640,7 +25645,7 @@
     </p:spTree>
     <p:extLst>
       <p:ext uri="{BB962C8B-B14F-4D97-AF65-F5344CB8AC3E}">
-        <p14:creationId xmlns:p14="http://schemas.microsoft.com/office/powerpoint/2010/main" xmlns="" val="3629648493"/>
+        <p14:creationId xmlns:p14="http://schemas.microsoft.com/office/powerpoint/2010/main" val="3629648493"/>
       </p:ext>
     </p:extLst>
   </p:cSld>
@@ -25720,7 +25725,7 @@
     </p:spTree>
     <p:extLst>
       <p:ext uri="{BB962C8B-B14F-4D97-AF65-F5344CB8AC3E}">
-        <p14:creationId xmlns:p14="http://schemas.microsoft.com/office/powerpoint/2010/main" xmlns="" val="4152498560"/>
+        <p14:creationId xmlns:p14="http://schemas.microsoft.com/office/powerpoint/2010/main" val="4152498560"/>
       </p:ext>
     </p:extLst>
   </p:cSld>
@@ -25802,7 +25807,464 @@
     </p:spTree>
     <p:extLst>
       <p:ext uri="{BB962C8B-B14F-4D97-AF65-F5344CB8AC3E}">
-        <p14:creationId xmlns:p14="http://schemas.microsoft.com/office/powerpoint/2010/main" xmlns="" val="2952670358"/>
+        <p14:creationId xmlns:p14="http://schemas.microsoft.com/office/powerpoint/2010/main" val="2952670358"/>
+      </p:ext>
+    </p:extLst>
+  </p:cSld>
+  <p:clrMapOvr>
+    <a:masterClrMapping/>
+  </p:clrMapOvr>
+</p:sld>
+</file>
+
+<file path=ppt/slides/slide37.xml><?xml version="1.0" encoding="utf-8"?>
+<p:sld xmlns:a="http://schemas.openxmlformats.org/drawingml/2006/main" xmlns:r="http://schemas.openxmlformats.org/officeDocument/2006/relationships" xmlns:p="http://schemas.openxmlformats.org/presentationml/2006/main">
+  <p:cSld>
+    <p:spTree>
+      <p:nvGrpSpPr>
+        <p:cNvPr id="1" name=""/>
+        <p:cNvGrpSpPr/>
+        <p:nvPr/>
+      </p:nvGrpSpPr>
+      <p:grpSpPr>
+        <a:xfrm>
+          <a:off x="0" y="0"/>
+          <a:ext cx="0" cy="0"/>
+          <a:chOff x="0" y="0"/>
+          <a:chExt cx="0" cy="0"/>
+        </a:xfrm>
+      </p:grpSpPr>
+      <p:sp>
+        <p:nvSpPr>
+          <p:cNvPr id="2" name="Title 1"/>
+          <p:cNvSpPr>
+            <a:spLocks noGrp="1"/>
+          </p:cNvSpPr>
+          <p:nvPr>
+            <p:ph type="title"/>
+          </p:nvPr>
+        </p:nvSpPr>
+        <p:spPr/>
+        <p:txBody>
+          <a:bodyPr/>
+          <a:lstStyle/>
+          <a:p>
+            <a:r>
+              <a:rPr lang="en-IE" dirty="0" smtClean="0"/>
+              <a:t>Lab 7 – Particles</a:t>
+            </a:r>
+            <a:endParaRPr lang="en-IE" dirty="0"/>
+          </a:p>
+        </p:txBody>
+      </p:sp>
+      <p:sp>
+        <p:nvSpPr>
+          <p:cNvPr id="3" name="Content Placeholder 2"/>
+          <p:cNvSpPr>
+            <a:spLocks noGrp="1"/>
+          </p:cNvSpPr>
+          <p:nvPr>
+            <p:ph sz="quarter" idx="1"/>
+          </p:nvPr>
+        </p:nvSpPr>
+        <p:spPr/>
+        <p:txBody>
+          <a:bodyPr/>
+          <a:lstStyle/>
+          <a:p>
+            <a:r>
+              <a:rPr lang="en-IE" dirty="0" smtClean="0"/>
+              <a:t>Use particles that you have created using Mercury</a:t>
+            </a:r>
+            <a:endParaRPr lang="en-IE" dirty="0"/>
+          </a:p>
+        </p:txBody>
+      </p:sp>
+    </p:spTree>
+    <p:extLst>
+      <p:ext uri="{BB962C8B-B14F-4D97-AF65-F5344CB8AC3E}">
+        <p14:creationId xmlns:p14="http://schemas.microsoft.com/office/powerpoint/2010/main" val="1463386053"/>
+      </p:ext>
+    </p:extLst>
+  </p:cSld>
+  <p:clrMapOvr>
+    <a:masterClrMapping/>
+  </p:clrMapOvr>
+</p:sld>
+</file>
+
+<file path=ppt/slides/slide38.xml><?xml version="1.0" encoding="utf-8"?>
+<p:sld xmlns:a="http://schemas.openxmlformats.org/drawingml/2006/main" xmlns:r="http://schemas.openxmlformats.org/officeDocument/2006/relationships" xmlns:p="http://schemas.openxmlformats.org/presentationml/2006/main">
+  <p:cSld>
+    <p:spTree>
+      <p:nvGrpSpPr>
+        <p:cNvPr id="1" name=""/>
+        <p:cNvGrpSpPr/>
+        <p:nvPr/>
+      </p:nvGrpSpPr>
+      <p:grpSpPr>
+        <a:xfrm>
+          <a:off x="0" y="0"/>
+          <a:ext cx="0" cy="0"/>
+          <a:chOff x="0" y="0"/>
+          <a:chExt cx="0" cy="0"/>
+        </a:xfrm>
+      </p:grpSpPr>
+      <p:sp>
+        <p:nvSpPr>
+          <p:cNvPr id="2" name="Title 1"/>
+          <p:cNvSpPr>
+            <a:spLocks noGrp="1"/>
+          </p:cNvSpPr>
+          <p:nvPr>
+            <p:ph type="title"/>
+          </p:nvPr>
+        </p:nvSpPr>
+        <p:spPr/>
+        <p:txBody>
+          <a:bodyPr/>
+          <a:lstStyle/>
+          <a:p>
+            <a:r>
+              <a:rPr lang="en-IE" dirty="0" smtClean="0"/>
+              <a:t>Behaviours</a:t>
+            </a:r>
+            <a:endParaRPr lang="en-IE" dirty="0"/>
+          </a:p>
+        </p:txBody>
+      </p:sp>
+      <p:pic>
+        <p:nvPicPr>
+          <p:cNvPr id="1026" name="Picture 2" descr="http://www.math10.com/en/geometry/vectors-operations/imgFig12.gif"/>
+          <p:cNvPicPr>
+            <a:picLocks noChangeAspect="1" noChangeArrowheads="1"/>
+          </p:cNvPicPr>
+          <p:nvPr/>
+        </p:nvPicPr>
+        <p:blipFill>
+          <a:blip r:embed="rId2">
+            <a:extLst>
+              <a:ext uri="{28A0092B-C50C-407E-A947-70E740481C1C}">
+                <a14:useLocalDpi xmlns:a14="http://schemas.microsoft.com/office/drawing/2010/main" val="0"/>
+              </a:ext>
+            </a:extLst>
+          </a:blip>
+          <a:srcRect/>
+          <a:stretch>
+            <a:fillRect/>
+          </a:stretch>
+        </p:blipFill>
+        <p:spPr bwMode="auto">
+          <a:xfrm>
+            <a:off x="395536" y="1988840"/>
+            <a:ext cx="2362200" cy="1676400"/>
+          </a:xfrm>
+          <a:prstGeom prst="rect">
+            <a:avLst/>
+          </a:prstGeom>
+          <a:noFill/>
+          <a:extLst>
+            <a:ext uri="{909E8E84-426E-40DD-AFC4-6F175D3DCCD1}">
+              <a14:hiddenFill xmlns:a14="http://schemas.microsoft.com/office/drawing/2010/main">
+                <a:solidFill>
+                  <a:srgbClr val="FFFFFF"/>
+                </a:solidFill>
+              </a14:hiddenFill>
+            </a:ext>
+          </a:extLst>
+        </p:spPr>
+      </p:pic>
+      <p:sp>
+        <p:nvSpPr>
+          <p:cNvPr id="10" name="TextBox 9"/>
+          <p:cNvSpPr txBox="1"/>
+          <p:nvPr/>
+        </p:nvSpPr>
+        <p:spPr>
+          <a:xfrm>
+            <a:off x="3635896" y="2204864"/>
+            <a:ext cx="4993739" cy="646331"/>
+          </a:xfrm>
+          <a:prstGeom prst="rect">
+            <a:avLst/>
+          </a:prstGeom>
+          <a:noFill/>
+        </p:spPr>
+        <p:txBody>
+          <a:bodyPr wrap="none" rtlCol="0">
+            <a:spAutoFit/>
+          </a:bodyPr>
+          <a:lstStyle/>
+          <a:p>
+            <a:r>
+              <a:rPr lang="en-IE" dirty="0" smtClean="0"/>
+              <a:t>Given u-v vector, we can calculate the distance</a:t>
+            </a:r>
+          </a:p>
+          <a:p>
+            <a:r>
+              <a:rPr lang="en-IE" dirty="0" smtClean="0"/>
+              <a:t>Between them</a:t>
+            </a:r>
+            <a:endParaRPr lang="en-IE" dirty="0"/>
+          </a:p>
+        </p:txBody>
+      </p:sp>
+    </p:spTree>
+    <p:extLst>
+      <p:ext uri="{BB962C8B-B14F-4D97-AF65-F5344CB8AC3E}">
+        <p14:creationId xmlns:p14="http://schemas.microsoft.com/office/powerpoint/2010/main" val="912280668"/>
+      </p:ext>
+    </p:extLst>
+  </p:cSld>
+  <p:clrMapOvr>
+    <a:masterClrMapping/>
+  </p:clrMapOvr>
+</p:sld>
+</file>
+
+<file path=ppt/slides/slide39.xml><?xml version="1.0" encoding="utf-8"?>
+<p:sld xmlns:a="http://schemas.openxmlformats.org/drawingml/2006/main" xmlns:r="http://schemas.openxmlformats.org/officeDocument/2006/relationships" xmlns:p="http://schemas.openxmlformats.org/presentationml/2006/main">
+  <p:cSld>
+    <p:spTree>
+      <p:nvGrpSpPr>
+        <p:cNvPr id="1" name=""/>
+        <p:cNvGrpSpPr/>
+        <p:nvPr/>
+      </p:nvGrpSpPr>
+      <p:grpSpPr>
+        <a:xfrm>
+          <a:off x="0" y="0"/>
+          <a:ext cx="0" cy="0"/>
+          <a:chOff x="0" y="0"/>
+          <a:chExt cx="0" cy="0"/>
+        </a:xfrm>
+      </p:grpSpPr>
+      <p:sp>
+        <p:nvSpPr>
+          <p:cNvPr id="2" name="Title 1"/>
+          <p:cNvSpPr>
+            <a:spLocks noGrp="1"/>
+          </p:cNvSpPr>
+          <p:nvPr>
+            <p:ph type="title"/>
+          </p:nvPr>
+        </p:nvSpPr>
+        <p:spPr/>
+        <p:txBody>
+          <a:bodyPr/>
+          <a:lstStyle/>
+          <a:p>
+            <a:r>
+              <a:rPr lang="en-IE" dirty="0" smtClean="0"/>
+              <a:t>Camera</a:t>
+            </a:r>
+            <a:endParaRPr lang="en-IE" dirty="0"/>
+          </a:p>
+        </p:txBody>
+      </p:sp>
+      <p:sp>
+        <p:nvSpPr>
+          <p:cNvPr id="3" name="Content Placeholder 2"/>
+          <p:cNvSpPr>
+            <a:spLocks noGrp="1"/>
+          </p:cNvSpPr>
+          <p:nvPr>
+            <p:ph sz="quarter" idx="1"/>
+          </p:nvPr>
+        </p:nvSpPr>
+        <p:spPr/>
+        <p:txBody>
+          <a:bodyPr/>
+          <a:lstStyle/>
+          <a:p>
+            <a:r>
+              <a:rPr lang="en-IE" dirty="0" smtClean="0"/>
+              <a:t>World is larger than viewport</a:t>
+            </a:r>
+          </a:p>
+          <a:p>
+            <a:r>
+              <a:rPr lang="en-IE" dirty="0" smtClean="0"/>
+              <a:t>Simplest camera: follows the player</a:t>
+            </a:r>
+          </a:p>
+          <a:p>
+            <a:r>
+              <a:rPr lang="en-IE" dirty="0" err="1" smtClean="0"/>
+              <a:t>SpriteBatch</a:t>
+            </a:r>
+            <a:r>
+              <a:rPr lang="en-IE" dirty="0" smtClean="0"/>
+              <a:t> begin has an overload that takes transforms:</a:t>
+            </a:r>
+          </a:p>
+          <a:p>
+            <a:pPr lvl="1"/>
+            <a:r>
+              <a:rPr lang="en-IE" dirty="0" err="1"/>
+              <a:t>publicvoid</a:t>
+            </a:r>
+            <a:r>
+              <a:rPr lang="en-IE" dirty="0"/>
+              <a:t> Begin ( </a:t>
+            </a:r>
+            <a:r>
+              <a:rPr lang="en-IE" dirty="0" err="1"/>
+              <a:t>SpriteSortMode</a:t>
+            </a:r>
+            <a:r>
+              <a:rPr lang="en-IE" dirty="0"/>
+              <a:t> </a:t>
+            </a:r>
+            <a:r>
+              <a:rPr lang="en-IE" dirty="0" err="1"/>
+              <a:t>sortMode</a:t>
+            </a:r>
+            <a:r>
+              <a:rPr lang="en-IE" dirty="0"/>
+              <a:t>, </a:t>
+            </a:r>
+            <a:r>
+              <a:rPr lang="en-IE" dirty="0" err="1"/>
+              <a:t>BlendState</a:t>
+            </a:r>
+            <a:r>
+              <a:rPr lang="en-IE" dirty="0"/>
+              <a:t> </a:t>
+            </a:r>
+            <a:r>
+              <a:rPr lang="en-IE" dirty="0" err="1"/>
+              <a:t>blendState</a:t>
+            </a:r>
+            <a:r>
+              <a:rPr lang="en-IE" dirty="0"/>
+              <a:t>, </a:t>
+            </a:r>
+            <a:r>
+              <a:rPr lang="en-IE" dirty="0" err="1"/>
+              <a:t>SamplerState</a:t>
+            </a:r>
+            <a:r>
+              <a:rPr lang="en-IE" dirty="0"/>
+              <a:t> </a:t>
+            </a:r>
+            <a:r>
+              <a:rPr lang="en-IE" dirty="0" err="1"/>
+              <a:t>samplerState</a:t>
+            </a:r>
+            <a:r>
+              <a:rPr lang="en-IE" dirty="0"/>
+              <a:t>, </a:t>
+            </a:r>
+            <a:r>
+              <a:rPr lang="en-IE" dirty="0" err="1"/>
+              <a:t>DepthStencilState</a:t>
+            </a:r>
+            <a:r>
+              <a:rPr lang="en-IE" dirty="0"/>
+              <a:t> </a:t>
+            </a:r>
+            <a:r>
+              <a:rPr lang="en-IE" dirty="0" err="1"/>
+              <a:t>depthStencilState</a:t>
+            </a:r>
+            <a:r>
+              <a:rPr lang="en-IE" dirty="0"/>
+              <a:t>, </a:t>
+            </a:r>
+            <a:r>
+              <a:rPr lang="en-IE" dirty="0" err="1"/>
+              <a:t>RasterizerState</a:t>
+            </a:r>
+            <a:r>
+              <a:rPr lang="en-IE" dirty="0"/>
+              <a:t> </a:t>
+            </a:r>
+            <a:r>
+              <a:rPr lang="en-IE" dirty="0" err="1"/>
+              <a:t>rasterizerState</a:t>
+            </a:r>
+            <a:r>
+              <a:rPr lang="en-IE" dirty="0"/>
+              <a:t>, Effect </a:t>
+            </a:r>
+            <a:r>
+              <a:rPr lang="en-IE" dirty="0" err="1"/>
+              <a:t>effect</a:t>
+            </a:r>
+            <a:r>
+              <a:rPr lang="en-IE" dirty="0"/>
+              <a:t>, Matrix </a:t>
+            </a:r>
+            <a:r>
+              <a:rPr lang="en-IE" dirty="0" err="1"/>
+              <a:t>transformMatrix</a:t>
+            </a:r>
+            <a:r>
+              <a:rPr lang="en-IE" dirty="0"/>
+              <a:t> </a:t>
+            </a:r>
+            <a:r>
+              <a:rPr lang="en-IE" dirty="0" smtClean="0"/>
+              <a:t>)</a:t>
+            </a:r>
+          </a:p>
+          <a:p>
+            <a:pPr lvl="1"/>
+            <a:r>
+              <a:rPr lang="fr-FR" i="1" dirty="0" err="1"/>
+              <a:t>transformMatrix</a:t>
+            </a:r>
+            <a:r>
+              <a:rPr lang="fr-FR" dirty="0" err="1"/>
+              <a:t>Type</a:t>
+            </a:r>
+            <a:r>
+              <a:rPr lang="fr-FR" dirty="0"/>
+              <a:t>: </a:t>
+            </a:r>
+            <a:r>
+              <a:rPr lang="fr-FR" dirty="0">
+                <a:hlinkClick r:id="rId2"/>
+              </a:rPr>
+              <a:t>Matrix</a:t>
+            </a:r>
+            <a:r>
+              <a:rPr lang="fr-FR" dirty="0"/>
+              <a:t/>
+            </a:r>
+            <a:br>
+              <a:rPr lang="fr-FR" dirty="0"/>
+            </a:br>
+            <a:r>
+              <a:rPr lang="fr-FR" dirty="0"/>
+              <a:t>Transformation matrix for </a:t>
+            </a:r>
+            <a:r>
+              <a:rPr lang="fr-FR" dirty="0" err="1"/>
+              <a:t>scale</a:t>
+            </a:r>
+            <a:r>
+              <a:rPr lang="fr-FR" dirty="0"/>
+              <a:t>, </a:t>
+            </a:r>
+            <a:r>
+              <a:rPr lang="fr-FR" dirty="0" err="1"/>
+              <a:t>rotate</a:t>
+            </a:r>
+            <a:r>
+              <a:rPr lang="fr-FR" dirty="0"/>
+              <a:t>, translate options.</a:t>
+            </a:r>
+            <a:endParaRPr lang="en-IE" dirty="0"/>
+          </a:p>
+        </p:txBody>
+      </p:sp>
+    </p:spTree>
+    <p:extLst>
+      <p:ext uri="{BB962C8B-B14F-4D97-AF65-F5344CB8AC3E}">
+        <p14:creationId xmlns:p14="http://schemas.microsoft.com/office/powerpoint/2010/main" val="2455288519"/>
       </p:ext>
     </p:extLst>
   </p:cSld>
@@ -25959,7 +26421,7 @@
     </p:spTree>
     <p:extLst>
       <p:ext uri="{BB962C8B-B14F-4D97-AF65-F5344CB8AC3E}">
-        <p14:creationId xmlns:p14="http://schemas.microsoft.com/office/powerpoint/2010/main" xmlns="" val="2910167808"/>
+        <p14:creationId xmlns:p14="http://schemas.microsoft.com/office/powerpoint/2010/main" val="2910167808"/>
       </p:ext>
     </p:extLst>
   </p:cSld>
@@ -25973,6 +26435,328 @@
       </p:par>
     </p:tnLst>
   </p:timing>
+</p:sld>
+</file>
+
+<file path=ppt/slides/slide40.xml><?xml version="1.0" encoding="utf-8"?>
+<p:sld xmlns:a="http://schemas.openxmlformats.org/drawingml/2006/main" xmlns:r="http://schemas.openxmlformats.org/officeDocument/2006/relationships" xmlns:p="http://schemas.openxmlformats.org/presentationml/2006/main">
+  <p:cSld>
+    <p:spTree>
+      <p:nvGrpSpPr>
+        <p:cNvPr id="1" name=""/>
+        <p:cNvGrpSpPr/>
+        <p:nvPr/>
+      </p:nvGrpSpPr>
+      <p:grpSpPr>
+        <a:xfrm>
+          <a:off x="0" y="0"/>
+          <a:ext cx="0" cy="0"/>
+          <a:chOff x="0" y="0"/>
+          <a:chExt cx="0" cy="0"/>
+        </a:xfrm>
+      </p:grpSpPr>
+      <p:sp>
+        <p:nvSpPr>
+          <p:cNvPr id="2" name="Title 1"/>
+          <p:cNvSpPr>
+            <a:spLocks noGrp="1"/>
+          </p:cNvSpPr>
+          <p:nvPr>
+            <p:ph type="title"/>
+          </p:nvPr>
+        </p:nvSpPr>
+        <p:spPr/>
+        <p:txBody>
+          <a:bodyPr/>
+          <a:lstStyle/>
+          <a:p>
+            <a:endParaRPr lang="en-IE" dirty="0"/>
+          </a:p>
+        </p:txBody>
+      </p:sp>
+      <p:sp>
+        <p:nvSpPr>
+          <p:cNvPr id="3" name="Content Placeholder 2"/>
+          <p:cNvSpPr>
+            <a:spLocks noGrp="1"/>
+          </p:cNvSpPr>
+          <p:nvPr>
+            <p:ph sz="quarter" idx="1"/>
+          </p:nvPr>
+        </p:nvSpPr>
+        <p:spPr/>
+        <p:txBody>
+          <a:bodyPr>
+            <a:normAutofit fontScale="55000" lnSpcReduction="20000"/>
+          </a:bodyPr>
+          <a:lstStyle/>
+          <a:p>
+            <a:pPr marL="0" indent="0">
+              <a:buNone/>
+            </a:pPr>
+            <a:endParaRPr lang="en-IE" dirty="0"/>
+          </a:p>
+          <a:p>
+            <a:pPr marL="0" indent="0">
+              <a:buNone/>
+            </a:pPr>
+            <a:r>
+              <a:rPr lang="en-IE" dirty="0"/>
+              <a:t>public class Camera</a:t>
+            </a:r>
+          </a:p>
+          <a:p>
+            <a:pPr marL="0" indent="0">
+              <a:buNone/>
+            </a:pPr>
+            <a:r>
+              <a:rPr lang="en-IE" dirty="0"/>
+              <a:t>{</a:t>
+            </a:r>
+          </a:p>
+          <a:p>
+            <a:pPr marL="0" indent="0">
+              <a:buNone/>
+            </a:pPr>
+            <a:r>
+              <a:rPr lang="en-IE" dirty="0"/>
+              <a:t>public Matrix Transform { get; private set; }</a:t>
+            </a:r>
+          </a:p>
+          <a:p>
+            <a:pPr marL="0" indent="0">
+              <a:buNone/>
+            </a:pPr>
+            <a:r>
+              <a:rPr lang="en-IE" dirty="0"/>
+              <a:t>public Viewport </a:t>
+            </a:r>
+            <a:r>
+              <a:rPr lang="en-IE" dirty="0" err="1"/>
+              <a:t>Viewport</a:t>
+            </a:r>
+            <a:r>
+              <a:rPr lang="en-IE" dirty="0"/>
+              <a:t> { get; private set; }</a:t>
+            </a:r>
+          </a:p>
+          <a:p>
+            <a:pPr marL="0" indent="0">
+              <a:buNone/>
+            </a:pPr>
+            <a:r>
+              <a:rPr lang="en-IE" dirty="0"/>
+              <a:t/>
+            </a:r>
+            <a:br>
+              <a:rPr lang="en-IE" dirty="0"/>
+            </a:br>
+            <a:endParaRPr lang="en-IE" dirty="0"/>
+          </a:p>
+          <a:p>
+            <a:pPr marL="0" indent="0">
+              <a:buNone/>
+            </a:pPr>
+            <a:r>
+              <a:rPr lang="en-IE" dirty="0"/>
+              <a:t>public Camera(Viewport viewport)</a:t>
+            </a:r>
+          </a:p>
+          <a:p>
+            <a:pPr marL="0" indent="0">
+              <a:buNone/>
+            </a:pPr>
+            <a:r>
+              <a:rPr lang="en-IE" dirty="0"/>
+              <a:t>{</a:t>
+            </a:r>
+          </a:p>
+          <a:p>
+            <a:pPr marL="0" indent="0">
+              <a:buNone/>
+            </a:pPr>
+            <a:r>
+              <a:rPr lang="en-IE" dirty="0"/>
+              <a:t>Transform = </a:t>
+            </a:r>
+            <a:r>
+              <a:rPr lang="en-IE" dirty="0" err="1"/>
+              <a:t>Matrix.Identity</a:t>
+            </a:r>
+            <a:r>
+              <a:rPr lang="en-IE" dirty="0"/>
+              <a:t>;</a:t>
+            </a:r>
+          </a:p>
+          <a:p>
+            <a:pPr marL="0" indent="0">
+              <a:buNone/>
+            </a:pPr>
+            <a:r>
+              <a:rPr lang="en-IE" dirty="0"/>
+              <a:t>Viewport = viewport;</a:t>
+            </a:r>
+          </a:p>
+          <a:p>
+            <a:pPr marL="0" indent="0">
+              <a:buNone/>
+            </a:pPr>
+            <a:r>
+              <a:rPr lang="en-IE" dirty="0"/>
+              <a:t>}</a:t>
+            </a:r>
+          </a:p>
+          <a:p>
+            <a:pPr marL="0" indent="0">
+              <a:buNone/>
+            </a:pPr>
+            <a:r>
+              <a:rPr lang="en-IE" dirty="0"/>
+              <a:t/>
+            </a:r>
+            <a:br>
+              <a:rPr lang="en-IE" dirty="0"/>
+            </a:br>
+            <a:endParaRPr lang="en-IE" dirty="0"/>
+          </a:p>
+          <a:p>
+            <a:pPr marL="0" indent="0">
+              <a:buNone/>
+            </a:pPr>
+            <a:r>
+              <a:rPr lang="en-IE" dirty="0"/>
+              <a:t>public void Update(</a:t>
+            </a:r>
+            <a:r>
+              <a:rPr lang="en-IE" dirty="0" err="1"/>
+              <a:t>GameTime</a:t>
+            </a:r>
+            <a:r>
+              <a:rPr lang="en-IE" dirty="0"/>
+              <a:t> </a:t>
+            </a:r>
+            <a:r>
+              <a:rPr lang="en-IE" dirty="0" err="1"/>
+              <a:t>gameTime</a:t>
+            </a:r>
+            <a:r>
+              <a:rPr lang="en-IE" dirty="0"/>
+              <a:t>, </a:t>
+            </a:r>
+            <a:r>
+              <a:rPr lang="en-IE" dirty="0" smtClean="0"/>
+              <a:t>Vector2 position)</a:t>
+            </a:r>
+            <a:endParaRPr lang="en-IE" dirty="0"/>
+          </a:p>
+          <a:p>
+            <a:pPr marL="0" indent="0">
+              <a:buNone/>
+            </a:pPr>
+            <a:r>
+              <a:rPr lang="en-IE" dirty="0"/>
+              <a:t>{</a:t>
+            </a:r>
+          </a:p>
+          <a:p>
+            <a:pPr marL="0" indent="0">
+              <a:buNone/>
+            </a:pPr>
+            <a:r>
+              <a:rPr lang="en-IE" dirty="0"/>
+              <a:t>Transform = </a:t>
+            </a:r>
+            <a:r>
+              <a:rPr lang="en-IE" dirty="0" err="1"/>
+              <a:t>Matrix.CreateTranslation</a:t>
+            </a:r>
+            <a:r>
+              <a:rPr lang="en-IE" dirty="0" smtClean="0"/>
+              <a:t>(-</a:t>
+            </a:r>
+            <a:r>
+              <a:rPr lang="en-IE" dirty="0" err="1" smtClean="0"/>
+              <a:t>position.X</a:t>
+            </a:r>
+            <a:r>
+              <a:rPr lang="en-IE"/>
+              <a:t>, </a:t>
+            </a:r>
+            <a:r>
+              <a:rPr lang="en-IE" smtClean="0"/>
+              <a:t>-position.Y</a:t>
+            </a:r>
+            <a:r>
+              <a:rPr lang="en-IE" dirty="0"/>
+              <a:t>, 0) *</a:t>
+            </a:r>
+          </a:p>
+          <a:p>
+            <a:pPr marL="0" indent="0">
+              <a:buNone/>
+            </a:pPr>
+            <a:r>
+              <a:rPr lang="en-IE" dirty="0" err="1"/>
+              <a:t>Matrix.CreateTranslation</a:t>
+            </a:r>
+            <a:r>
+              <a:rPr lang="en-IE" dirty="0"/>
+              <a:t>(</a:t>
+            </a:r>
+            <a:r>
+              <a:rPr lang="en-IE" dirty="0" err="1"/>
+              <a:t>Viewport.Width</a:t>
+            </a:r>
+            <a:r>
+              <a:rPr lang="en-IE" dirty="0"/>
+              <a:t> / 2, </a:t>
+            </a:r>
+            <a:r>
+              <a:rPr lang="en-IE" dirty="0" err="1"/>
+              <a:t>Viewport.Height</a:t>
+            </a:r>
+            <a:r>
+              <a:rPr lang="en-IE" dirty="0"/>
+              <a:t> / 2, 0) </a:t>
+            </a:r>
+          </a:p>
+          <a:p>
+            <a:pPr marL="0" indent="0">
+              <a:buNone/>
+            </a:pPr>
+            <a:r>
+              <a:rPr lang="en-IE" dirty="0" smtClean="0"/>
+              <a:t>}</a:t>
+            </a:r>
+            <a:endParaRPr lang="en-IE" dirty="0"/>
+          </a:p>
+          <a:p>
+            <a:pPr marL="0" indent="0">
+              <a:buNone/>
+            </a:pPr>
+            <a:r>
+              <a:rPr lang="en-IE" dirty="0"/>
+              <a:t>}</a:t>
+            </a:r>
+          </a:p>
+          <a:p>
+            <a:pPr marL="0" indent="0">
+              <a:buNone/>
+            </a:pPr>
+            <a:endParaRPr lang="en-IE" dirty="0"/>
+          </a:p>
+        </p:txBody>
+      </p:sp>
+    </p:spTree>
+    <p:extLst>
+      <p:ext uri="{BB962C8B-B14F-4D97-AF65-F5344CB8AC3E}">
+        <p14:creationId xmlns:p14="http://schemas.microsoft.com/office/powerpoint/2010/main" val="377476400"/>
+      </p:ext>
+    </p:extLst>
+  </p:cSld>
+  <p:clrMapOvr>
+    <a:masterClrMapping/>
+  </p:clrMapOvr>
 </p:sld>
 </file>
 
@@ -26054,7 +26838,7 @@
     </p:spTree>
     <p:extLst>
       <p:ext uri="{BB962C8B-B14F-4D97-AF65-F5344CB8AC3E}">
-        <p14:creationId xmlns:p14="http://schemas.microsoft.com/office/powerpoint/2010/main" xmlns="" val="2872123157"/>
+        <p14:creationId xmlns:p14="http://schemas.microsoft.com/office/powerpoint/2010/main" val="2872123157"/>
       </p:ext>
     </p:extLst>
   </p:cSld>
@@ -26201,7 +26985,7 @@
           <a:blip r:embed="rId5" cstate="print">
             <a:extLst>
               <a:ext uri="{28A0092B-C50C-407E-A947-70E740481C1C}">
-                <a14:useLocalDpi xmlns:a14="http://schemas.microsoft.com/office/drawing/2010/main" xmlns="" val="0"/>
+                <a14:useLocalDpi xmlns:a14="http://schemas.microsoft.com/office/drawing/2010/main" val="0"/>
               </a:ext>
             </a:extLst>
           </a:blip>
@@ -26221,7 +27005,7 @@
           <a:noFill/>
           <a:extLst>
             <a:ext uri="{909E8E84-426E-40DD-AFC4-6F175D3DCCD1}">
-              <a14:hiddenFill xmlns:a14="http://schemas.microsoft.com/office/drawing/2010/main" xmlns="">
+              <a14:hiddenFill xmlns:a14="http://schemas.microsoft.com/office/drawing/2010/main">
                 <a:solidFill>
                   <a:srgbClr val="FFFFFF"/>
                 </a:solidFill>
@@ -26233,7 +27017,7 @@
     </p:spTree>
     <p:extLst>
       <p:ext uri="{BB962C8B-B14F-4D97-AF65-F5344CB8AC3E}">
-        <p14:creationId xmlns:p14="http://schemas.microsoft.com/office/powerpoint/2010/main" xmlns="" val="1590623910"/>
+        <p14:creationId xmlns:p14="http://schemas.microsoft.com/office/powerpoint/2010/main" val="1590623910"/>
       </p:ext>
     </p:extLst>
   </p:cSld>

--- a/XNA workshop.pptx
+++ b/XNA workshop.pptx
@@ -26663,8 +26663,12 @@
               <a:buNone/>
             </a:pPr>
             <a:r>
+              <a:rPr lang="en-IE" smtClean="0"/>
+              <a:t>Transform </a:t>
+            </a:r>
+            <a:r>
               <a:rPr lang="en-IE" dirty="0"/>
-              <a:t>Transform = </a:t>
+              <a:t>= </a:t>
             </a:r>
             <a:r>
               <a:rPr lang="en-IE" dirty="0" err="1"/>
@@ -26679,12 +26683,16 @@
               <a:t>position.X</a:t>
             </a:r>
             <a:r>
-              <a:rPr lang="en-IE"/>
+              <a:rPr lang="en-IE" dirty="0"/>
               <a:t>, </a:t>
             </a:r>
             <a:r>
-              <a:rPr lang="en-IE" smtClean="0"/>
-              <a:t>-position.Y</a:t>
+              <a:rPr lang="en-IE" dirty="0" smtClean="0"/>
+              <a:t>-</a:t>
+            </a:r>
+            <a:r>
+              <a:rPr lang="en-IE" dirty="0" err="1" smtClean="0"/>
+              <a:t>position.Y</a:t>
             </a:r>
             <a:r>
               <a:rPr lang="en-IE" dirty="0"/>

--- a/XNA workshop.pptx
+++ b/XNA workshop.pptx
@@ -232,7 +232,7 @@
             <a:fld id="{212C7520-DD16-4571-8BAE-2EC07B045985}" type="datetimeFigureOut">
               <a:rPr lang="en-IE" smtClean="0"/>
               <a:pPr/>
-              <a:t>07/11/2012</a:t>
+              <a:t>09/11/2012</a:t>
             </a:fld>
             <a:endParaRPr lang="en-IE"/>
           </a:p>
@@ -403,7 +403,7 @@
     </p:spTree>
     <p:extLst>
       <p:ext uri="{BB962C8B-B14F-4D97-AF65-F5344CB8AC3E}">
-        <p14:creationId xmlns:p14="http://schemas.microsoft.com/office/powerpoint/2010/main" val="2006042524"/>
+        <p14:creationId xmlns:p14="http://schemas.microsoft.com/office/powerpoint/2010/main" xmlns="" val="2006042524"/>
       </p:ext>
     </p:extLst>
   </p:cSld>
@@ -714,7 +714,7 @@
     </p:spTree>
     <p:extLst>
       <p:ext uri="{BB962C8B-B14F-4D97-AF65-F5344CB8AC3E}">
-        <p14:creationId xmlns:p14="http://schemas.microsoft.com/office/powerpoint/2010/main" val="1767057334"/>
+        <p14:creationId xmlns:p14="http://schemas.microsoft.com/office/powerpoint/2010/main" xmlns="" val="1767057334"/>
       </p:ext>
     </p:extLst>
   </p:cSld>
@@ -1206,7 +1206,7 @@
     </p:spTree>
     <p:extLst>
       <p:ext uri="{BB962C8B-B14F-4D97-AF65-F5344CB8AC3E}">
-        <p14:creationId xmlns:p14="http://schemas.microsoft.com/office/powerpoint/2010/main" val="798343041"/>
+        <p14:creationId xmlns:p14="http://schemas.microsoft.com/office/powerpoint/2010/main" xmlns="" val="798343041"/>
       </p:ext>
     </p:extLst>
   </p:cSld>
@@ -1354,7 +1354,7 @@
             <a:fld id="{B3408C67-D4E8-4FC0-AC6B-66597DCDBF39}" type="datetimeFigureOut">
               <a:rPr lang="en-IE" smtClean="0"/>
               <a:pPr/>
-              <a:t>07/11/2012</a:t>
+              <a:t>09/11/2012</a:t>
             </a:fld>
             <a:endParaRPr lang="en-IE"/>
           </a:p>
@@ -2225,7 +2225,7 @@
             <a:fld id="{B3408C67-D4E8-4FC0-AC6B-66597DCDBF39}" type="datetimeFigureOut">
               <a:rPr lang="en-IE" smtClean="0"/>
               <a:pPr/>
-              <a:t>07/11/2012</a:t>
+              <a:t>09/11/2012</a:t>
             </a:fld>
             <a:endParaRPr lang="en-IE"/>
           </a:p>
@@ -2402,7 +2402,7 @@
             <a:fld id="{B3408C67-D4E8-4FC0-AC6B-66597DCDBF39}" type="datetimeFigureOut">
               <a:rPr lang="en-IE" smtClean="0"/>
               <a:pPr/>
-              <a:t>07/11/2012</a:t>
+              <a:t>09/11/2012</a:t>
             </a:fld>
             <a:endParaRPr lang="en-IE"/>
           </a:p>
@@ -2574,7 +2574,7 @@
             <a:fld id="{B3408C67-D4E8-4FC0-AC6B-66597DCDBF39}" type="datetimeFigureOut">
               <a:rPr lang="en-IE" smtClean="0"/>
               <a:pPr/>
-              <a:t>07/11/2012</a:t>
+              <a:t>09/11/2012</a:t>
             </a:fld>
             <a:endParaRPr lang="en-IE"/>
           </a:p>
@@ -2786,7 +2786,7 @@
             <a:fld id="{B3408C67-D4E8-4FC0-AC6B-66597DCDBF39}" type="datetimeFigureOut">
               <a:rPr lang="en-IE" smtClean="0"/>
               <a:pPr/>
-              <a:t>07/11/2012</a:t>
+              <a:t>09/11/2012</a:t>
             </a:fld>
             <a:endParaRPr lang="en-IE"/>
           </a:p>
@@ -3602,7 +3602,7 @@
             <a:fld id="{B3408C67-D4E8-4FC0-AC6B-66597DCDBF39}" type="datetimeFigureOut">
               <a:rPr lang="en-IE" smtClean="0"/>
               <a:pPr/>
-              <a:t>07/11/2012</a:t>
+              <a:t>09/11/2012</a:t>
             </a:fld>
             <a:endParaRPr lang="en-IE"/>
           </a:p>
@@ -3840,7 +3840,7 @@
             <a:fld id="{B3408C67-D4E8-4FC0-AC6B-66597DCDBF39}" type="datetimeFigureOut">
               <a:rPr lang="en-IE" smtClean="0"/>
               <a:pPr/>
-              <a:t>07/11/2012</a:t>
+              <a:t>09/11/2012</a:t>
             </a:fld>
             <a:endParaRPr lang="en-IE"/>
           </a:p>
@@ -4165,7 +4165,7 @@
             <a:fld id="{B3408C67-D4E8-4FC0-AC6B-66597DCDBF39}" type="datetimeFigureOut">
               <a:rPr lang="en-IE" smtClean="0"/>
               <a:pPr/>
-              <a:t>07/11/2012</a:t>
+              <a:t>09/11/2012</a:t>
             </a:fld>
             <a:endParaRPr lang="en-IE"/>
           </a:p>
@@ -4257,7 +4257,7 @@
             <a:fld id="{B3408C67-D4E8-4FC0-AC6B-66597DCDBF39}" type="datetimeFigureOut">
               <a:rPr lang="en-IE" smtClean="0"/>
               <a:pPr/>
-              <a:t>07/11/2012</a:t>
+              <a:t>09/11/2012</a:t>
             </a:fld>
             <a:endParaRPr lang="en-IE"/>
           </a:p>
@@ -4776,7 +4776,7 @@
             <a:fld id="{B3408C67-D4E8-4FC0-AC6B-66597DCDBF39}" type="datetimeFigureOut">
               <a:rPr lang="en-IE" smtClean="0"/>
               <a:pPr/>
-              <a:t>07/11/2012</a:t>
+              <a:t>09/11/2012</a:t>
             </a:fld>
             <a:endParaRPr lang="en-IE"/>
           </a:p>
@@ -5289,7 +5289,7 @@
             <a:fld id="{B3408C67-D4E8-4FC0-AC6B-66597DCDBF39}" type="datetimeFigureOut">
               <a:rPr lang="en-IE" smtClean="0"/>
               <a:pPr/>
-              <a:t>07/11/2012</a:t>
+              <a:t>09/11/2012</a:t>
             </a:fld>
             <a:endParaRPr lang="en-IE"/>
           </a:p>
@@ -5536,7 +5536,7 @@
             <a:fld id="{B3408C67-D4E8-4FC0-AC6B-66597DCDBF39}" type="datetimeFigureOut">
               <a:rPr lang="en-IE" smtClean="0"/>
               <a:pPr/>
-              <a:t>07/11/2012</a:t>
+              <a:t>09/11/2012</a:t>
             </a:fld>
             <a:endParaRPr lang="en-IE"/>
           </a:p>
@@ -6985,7 +6985,7 @@
     </p:spTree>
     <p:extLst>
       <p:ext uri="{BB962C8B-B14F-4D97-AF65-F5344CB8AC3E}">
-        <p14:creationId xmlns:p14="http://schemas.microsoft.com/office/powerpoint/2010/main" val="2007908278"/>
+        <p14:creationId xmlns:p14="http://schemas.microsoft.com/office/powerpoint/2010/main" xmlns="" val="2007908278"/>
       </p:ext>
     </p:extLst>
   </p:cSld>
@@ -7953,7 +7953,7 @@
     </p:spTree>
     <p:extLst>
       <p:ext uri="{BB962C8B-B14F-4D97-AF65-F5344CB8AC3E}">
-        <p14:creationId xmlns:p14="http://schemas.microsoft.com/office/powerpoint/2010/main" val="18473020"/>
+        <p14:creationId xmlns:p14="http://schemas.microsoft.com/office/powerpoint/2010/main" xmlns="" val="18473020"/>
       </p:ext>
     </p:extLst>
   </p:cSld>
@@ -8389,7 +8389,7 @@
     </p:spTree>
     <p:extLst>
       <p:ext uri="{BB962C8B-B14F-4D97-AF65-F5344CB8AC3E}">
-        <p14:creationId xmlns:p14="http://schemas.microsoft.com/office/powerpoint/2010/main" val="676932690"/>
+        <p14:creationId xmlns:p14="http://schemas.microsoft.com/office/powerpoint/2010/main" xmlns="" val="676932690"/>
       </p:ext>
     </p:extLst>
   </p:cSld>
@@ -9631,7 +9631,7 @@
     </p:spTree>
     <p:extLst>
       <p:ext uri="{BB962C8B-B14F-4D97-AF65-F5344CB8AC3E}">
-        <p14:creationId xmlns:p14="http://schemas.microsoft.com/office/powerpoint/2010/main" val="2973926452"/>
+        <p14:creationId xmlns:p14="http://schemas.microsoft.com/office/powerpoint/2010/main" xmlns="" val="2973926452"/>
       </p:ext>
     </p:extLst>
   </p:cSld>
@@ -11341,7 +11341,7 @@
     </p:spTree>
     <p:extLst>
       <p:ext uri="{BB962C8B-B14F-4D97-AF65-F5344CB8AC3E}">
-        <p14:creationId xmlns:p14="http://schemas.microsoft.com/office/powerpoint/2010/main" val="3344442501"/>
+        <p14:creationId xmlns:p14="http://schemas.microsoft.com/office/powerpoint/2010/main" xmlns="" val="3344442501"/>
       </p:ext>
     </p:extLst>
   </p:cSld>
@@ -13099,7 +13099,7 @@
     </p:spTree>
     <p:extLst>
       <p:ext uri="{BB962C8B-B14F-4D97-AF65-F5344CB8AC3E}">
-        <p14:creationId xmlns:p14="http://schemas.microsoft.com/office/powerpoint/2010/main" val="774821853"/>
+        <p14:creationId xmlns:p14="http://schemas.microsoft.com/office/powerpoint/2010/main" xmlns="" val="774821853"/>
       </p:ext>
     </p:extLst>
   </p:cSld>
@@ -14701,7 +14701,7 @@
     </p:spTree>
     <p:extLst>
       <p:ext uri="{BB962C8B-B14F-4D97-AF65-F5344CB8AC3E}">
-        <p14:creationId xmlns:p14="http://schemas.microsoft.com/office/powerpoint/2010/main" val="398476613"/>
+        <p14:creationId xmlns:p14="http://schemas.microsoft.com/office/powerpoint/2010/main" xmlns="" val="398476613"/>
       </p:ext>
     </p:extLst>
   </p:cSld>
@@ -16231,7 +16231,7 @@
     </p:spTree>
     <p:extLst>
       <p:ext uri="{BB962C8B-B14F-4D97-AF65-F5344CB8AC3E}">
-        <p14:creationId xmlns:p14="http://schemas.microsoft.com/office/powerpoint/2010/main" val="1885484667"/>
+        <p14:creationId xmlns:p14="http://schemas.microsoft.com/office/powerpoint/2010/main" xmlns="" val="1885484667"/>
       </p:ext>
     </p:extLst>
   </p:cSld>
@@ -17881,7 +17881,7 @@
     </p:spTree>
     <p:extLst>
       <p:ext uri="{BB962C8B-B14F-4D97-AF65-F5344CB8AC3E}">
-        <p14:creationId xmlns:p14="http://schemas.microsoft.com/office/powerpoint/2010/main" val="3798903099"/>
+        <p14:creationId xmlns:p14="http://schemas.microsoft.com/office/powerpoint/2010/main" xmlns="" val="3798903099"/>
       </p:ext>
     </p:extLst>
   </p:cSld>
@@ -19496,7 +19496,7 @@
     </p:spTree>
     <p:extLst>
       <p:ext uri="{BB962C8B-B14F-4D97-AF65-F5344CB8AC3E}">
-        <p14:creationId xmlns:p14="http://schemas.microsoft.com/office/powerpoint/2010/main" val="1953946291"/>
+        <p14:creationId xmlns:p14="http://schemas.microsoft.com/office/powerpoint/2010/main" xmlns="" val="1953946291"/>
       </p:ext>
     </p:extLst>
   </p:cSld>
@@ -21640,7 +21640,7 @@
     </p:spTree>
     <p:extLst>
       <p:ext uri="{BB962C8B-B14F-4D97-AF65-F5344CB8AC3E}">
-        <p14:creationId xmlns:p14="http://schemas.microsoft.com/office/powerpoint/2010/main" val="1384111049"/>
+        <p14:creationId xmlns:p14="http://schemas.microsoft.com/office/powerpoint/2010/main" xmlns="" val="1384111049"/>
       </p:ext>
     </p:extLst>
   </p:cSld>
@@ -23788,7 +23788,7 @@
     </p:spTree>
     <p:extLst>
       <p:ext uri="{BB962C8B-B14F-4D97-AF65-F5344CB8AC3E}">
-        <p14:creationId xmlns:p14="http://schemas.microsoft.com/office/powerpoint/2010/main" val="2935688045"/>
+        <p14:creationId xmlns:p14="http://schemas.microsoft.com/office/powerpoint/2010/main" xmlns="" val="2935688045"/>
       </p:ext>
     </p:extLst>
   </p:cSld>
@@ -23893,7 +23893,7 @@
     </p:spTree>
     <p:extLst>
       <p:ext uri="{BB962C8B-B14F-4D97-AF65-F5344CB8AC3E}">
-        <p14:creationId xmlns:p14="http://schemas.microsoft.com/office/powerpoint/2010/main" val="4270030710"/>
+        <p14:creationId xmlns:p14="http://schemas.microsoft.com/office/powerpoint/2010/main" xmlns="" val="4270030710"/>
       </p:ext>
     </p:extLst>
   </p:cSld>
@@ -24050,7 +24050,7 @@
     </p:spTree>
     <p:extLst>
       <p:ext uri="{BB962C8B-B14F-4D97-AF65-F5344CB8AC3E}">
-        <p14:creationId xmlns:p14="http://schemas.microsoft.com/office/powerpoint/2010/main" val="3590507880"/>
+        <p14:creationId xmlns:p14="http://schemas.microsoft.com/office/powerpoint/2010/main" xmlns="" val="3590507880"/>
       </p:ext>
     </p:extLst>
   </p:cSld>
@@ -24089,7 +24089,7 @@
           <a:blip r:embed="rId2" cstate="print">
             <a:extLst>
               <a:ext uri="{28A0092B-C50C-407E-A947-70E740481C1C}">
-                <a14:useLocalDpi xmlns:a14="http://schemas.microsoft.com/office/drawing/2010/main" val="0"/>
+                <a14:useLocalDpi xmlns:a14="http://schemas.microsoft.com/office/drawing/2010/main" xmlns="" val="0"/>
               </a:ext>
             </a:extLst>
           </a:blip>
@@ -24113,14 +24113,14 @@
           <a:effectLst/>
           <a:extLst>
             <a:ext uri="{909E8E84-426E-40DD-AFC4-6F175D3DCCD1}">
-              <a14:hiddenFill xmlns:a14="http://schemas.microsoft.com/office/drawing/2010/main">
+              <a14:hiddenFill xmlns:a14="http://schemas.microsoft.com/office/drawing/2010/main" xmlns="">
                 <a:solidFill>
                   <a:schemeClr val="accent1"/>
                 </a:solidFill>
               </a14:hiddenFill>
             </a:ext>
             <a:ext uri="{91240B29-F687-4F45-9708-019B960494DF}">
-              <a14:hiddenLine xmlns:a14="http://schemas.microsoft.com/office/drawing/2010/main" w="9525">
+              <a14:hiddenLine xmlns:a14="http://schemas.microsoft.com/office/drawing/2010/main" xmlns="" w="9525">
                 <a:solidFill>
                   <a:schemeClr val="tx1"/>
                 </a:solidFill>
@@ -24130,7 +24130,7 @@
               </a14:hiddenLine>
             </a:ext>
             <a:ext uri="{AF507438-7753-43E0-B8FC-AC1667EBCBE1}">
-              <a14:hiddenEffects xmlns:a14="http://schemas.microsoft.com/office/drawing/2010/main">
+              <a14:hiddenEffects xmlns:a14="http://schemas.microsoft.com/office/drawing/2010/main" xmlns="">
                 <a:effectLst>
                   <a:outerShdw dist="35921" dir="2700000" algn="ctr" rotWithShape="0">
                     <a:schemeClr val="bg2"/>
@@ -24144,7 +24144,7 @@
     </p:spTree>
     <p:extLst>
       <p:ext uri="{BB962C8B-B14F-4D97-AF65-F5344CB8AC3E}">
-        <p14:creationId xmlns:p14="http://schemas.microsoft.com/office/powerpoint/2010/main" val="1354126801"/>
+        <p14:creationId xmlns:p14="http://schemas.microsoft.com/office/powerpoint/2010/main" xmlns="" val="1354126801"/>
       </p:ext>
     </p:extLst>
   </p:cSld>
@@ -24183,7 +24183,7 @@
           <a:blip r:embed="rId2" cstate="print">
             <a:extLst>
               <a:ext uri="{28A0092B-C50C-407E-A947-70E740481C1C}">
-                <a14:useLocalDpi xmlns:a14="http://schemas.microsoft.com/office/drawing/2010/main" val="0"/>
+                <a14:useLocalDpi xmlns:a14="http://schemas.microsoft.com/office/drawing/2010/main" xmlns="" val="0"/>
               </a:ext>
             </a:extLst>
           </a:blip>
@@ -24207,14 +24207,14 @@
           <a:effectLst/>
           <a:extLst>
             <a:ext uri="{909E8E84-426E-40DD-AFC4-6F175D3DCCD1}">
-              <a14:hiddenFill xmlns:a14="http://schemas.microsoft.com/office/drawing/2010/main">
+              <a14:hiddenFill xmlns:a14="http://schemas.microsoft.com/office/drawing/2010/main" xmlns="">
                 <a:solidFill>
                   <a:schemeClr val="accent1"/>
                 </a:solidFill>
               </a14:hiddenFill>
             </a:ext>
             <a:ext uri="{91240B29-F687-4F45-9708-019B960494DF}">
-              <a14:hiddenLine xmlns:a14="http://schemas.microsoft.com/office/drawing/2010/main" w="9525">
+              <a14:hiddenLine xmlns:a14="http://schemas.microsoft.com/office/drawing/2010/main" xmlns="" w="9525">
                 <a:solidFill>
                   <a:schemeClr val="tx1"/>
                 </a:solidFill>
@@ -24224,7 +24224,7 @@
               </a14:hiddenLine>
             </a:ext>
             <a:ext uri="{AF507438-7753-43E0-B8FC-AC1667EBCBE1}">
-              <a14:hiddenEffects xmlns:a14="http://schemas.microsoft.com/office/drawing/2010/main">
+              <a14:hiddenEffects xmlns:a14="http://schemas.microsoft.com/office/drawing/2010/main" xmlns="">
                 <a:effectLst>
                   <a:outerShdw dist="35921" dir="2700000" algn="ctr" rotWithShape="0">
                     <a:schemeClr val="bg2"/>
@@ -25264,7 +25264,7 @@
     </p:spTree>
     <p:extLst>
       <p:ext uri="{BB962C8B-B14F-4D97-AF65-F5344CB8AC3E}">
-        <p14:creationId xmlns:p14="http://schemas.microsoft.com/office/powerpoint/2010/main" val="1462662159"/>
+        <p14:creationId xmlns:p14="http://schemas.microsoft.com/office/powerpoint/2010/main" xmlns="" val="1462662159"/>
       </p:ext>
     </p:extLst>
   </p:cSld>
@@ -25426,7 +25426,7 @@
           <a:blip r:embed="rId2" cstate="print">
             <a:extLst>
               <a:ext uri="{28A0092B-C50C-407E-A947-70E740481C1C}">
-                <a14:useLocalDpi xmlns:a14="http://schemas.microsoft.com/office/drawing/2010/main" val="0"/>
+                <a14:useLocalDpi xmlns:a14="http://schemas.microsoft.com/office/drawing/2010/main" xmlns="" val="0"/>
               </a:ext>
             </a:extLst>
           </a:blip>
@@ -25521,7 +25521,7 @@
           <a:blip r:embed="rId3" cstate="print">
             <a:extLst>
               <a:ext uri="{28A0092B-C50C-407E-A947-70E740481C1C}">
-                <a14:useLocalDpi xmlns:a14="http://schemas.microsoft.com/office/drawing/2010/main" val="0"/>
+                <a14:useLocalDpi xmlns:a14="http://schemas.microsoft.com/office/drawing/2010/main" xmlns="" val="0"/>
               </a:ext>
             </a:extLst>
           </a:blip>
@@ -25541,7 +25541,7 @@
           <a:noFill/>
           <a:extLst>
             <a:ext uri="{909E8E84-426E-40DD-AFC4-6F175D3DCCD1}">
-              <a14:hiddenFill xmlns:a14="http://schemas.microsoft.com/office/drawing/2010/main">
+              <a14:hiddenFill xmlns:a14="http://schemas.microsoft.com/office/drawing/2010/main" xmlns="">
                 <a:solidFill>
                   <a:srgbClr val="FFFFFF"/>
                 </a:solidFill>
@@ -25645,7 +25645,7 @@
     </p:spTree>
     <p:extLst>
       <p:ext uri="{BB962C8B-B14F-4D97-AF65-F5344CB8AC3E}">
-        <p14:creationId xmlns:p14="http://schemas.microsoft.com/office/powerpoint/2010/main" val="3629648493"/>
+        <p14:creationId xmlns:p14="http://schemas.microsoft.com/office/powerpoint/2010/main" xmlns="" val="3629648493"/>
       </p:ext>
     </p:extLst>
   </p:cSld>
@@ -25725,7 +25725,7 @@
     </p:spTree>
     <p:extLst>
       <p:ext uri="{BB962C8B-B14F-4D97-AF65-F5344CB8AC3E}">
-        <p14:creationId xmlns:p14="http://schemas.microsoft.com/office/powerpoint/2010/main" val="4152498560"/>
+        <p14:creationId xmlns:p14="http://schemas.microsoft.com/office/powerpoint/2010/main" xmlns="" val="4152498560"/>
       </p:ext>
     </p:extLst>
   </p:cSld>
@@ -25807,7 +25807,7 @@
     </p:spTree>
     <p:extLst>
       <p:ext uri="{BB962C8B-B14F-4D97-AF65-F5344CB8AC3E}">
-        <p14:creationId xmlns:p14="http://schemas.microsoft.com/office/powerpoint/2010/main" val="2952670358"/>
+        <p14:creationId xmlns:p14="http://schemas.microsoft.com/office/powerpoint/2010/main" xmlns="" val="2952670358"/>
       </p:ext>
     </p:extLst>
   </p:cSld>
@@ -25883,7 +25883,7 @@
     </p:spTree>
     <p:extLst>
       <p:ext uri="{BB962C8B-B14F-4D97-AF65-F5344CB8AC3E}">
-        <p14:creationId xmlns:p14="http://schemas.microsoft.com/office/powerpoint/2010/main" val="1463386053"/>
+        <p14:creationId xmlns:p14="http://schemas.microsoft.com/office/powerpoint/2010/main" xmlns="" val="1463386053"/>
       </p:ext>
     </p:extLst>
   </p:cSld>
@@ -25942,10 +25942,10 @@
           <p:nvPr/>
         </p:nvPicPr>
         <p:blipFill>
-          <a:blip r:embed="rId2">
+          <a:blip r:embed="rId2" cstate="print">
             <a:extLst>
               <a:ext uri="{28A0092B-C50C-407E-A947-70E740481C1C}">
-                <a14:useLocalDpi xmlns:a14="http://schemas.microsoft.com/office/drawing/2010/main" val="0"/>
+                <a14:useLocalDpi xmlns:a14="http://schemas.microsoft.com/office/drawing/2010/main" xmlns="" val="0"/>
               </a:ext>
             </a:extLst>
           </a:blip>
@@ -25956,8 +25956,8 @@
         </p:blipFill>
         <p:spPr bwMode="auto">
           <a:xfrm>
-            <a:off x="395536" y="1988840"/>
-            <a:ext cx="2362200" cy="1676400"/>
+            <a:off x="0" y="2852936"/>
+            <a:ext cx="4968552" cy="3526069"/>
           </a:xfrm>
           <a:prstGeom prst="rect">
             <a:avLst/>
@@ -25965,7 +25965,7 @@
           <a:noFill/>
           <a:extLst>
             <a:ext uri="{909E8E84-426E-40DD-AFC4-6F175D3DCCD1}">
-              <a14:hiddenFill xmlns:a14="http://schemas.microsoft.com/office/drawing/2010/main">
+              <a14:hiddenFill xmlns:a14="http://schemas.microsoft.com/office/drawing/2010/main" xmlns="">
                 <a:solidFill>
                   <a:srgbClr val="FFFFFF"/>
                 </a:solidFill>
@@ -26013,7 +26013,7 @@
     </p:spTree>
     <p:extLst>
       <p:ext uri="{BB962C8B-B14F-4D97-AF65-F5344CB8AC3E}">
-        <p14:creationId xmlns:p14="http://schemas.microsoft.com/office/powerpoint/2010/main" val="912280668"/>
+        <p14:creationId xmlns:p14="http://schemas.microsoft.com/office/powerpoint/2010/main" xmlns="" val="912280668"/>
       </p:ext>
     </p:extLst>
   </p:cSld>
@@ -26264,7 +26264,7 @@
     </p:spTree>
     <p:extLst>
       <p:ext uri="{BB962C8B-B14F-4D97-AF65-F5344CB8AC3E}">
-        <p14:creationId xmlns:p14="http://schemas.microsoft.com/office/powerpoint/2010/main" val="2455288519"/>
+        <p14:creationId xmlns:p14="http://schemas.microsoft.com/office/powerpoint/2010/main" xmlns="" val="2455288519"/>
       </p:ext>
     </p:extLst>
   </p:cSld>
@@ -26421,7 +26421,7 @@
     </p:spTree>
     <p:extLst>
       <p:ext uri="{BB962C8B-B14F-4D97-AF65-F5344CB8AC3E}">
-        <p14:creationId xmlns:p14="http://schemas.microsoft.com/office/powerpoint/2010/main" val="2910167808"/>
+        <p14:creationId xmlns:p14="http://schemas.microsoft.com/office/powerpoint/2010/main" xmlns="" val="2910167808"/>
       </p:ext>
     </p:extLst>
   </p:cSld>
@@ -26758,7 +26758,7 @@
     </p:spTree>
     <p:extLst>
       <p:ext uri="{BB962C8B-B14F-4D97-AF65-F5344CB8AC3E}">
-        <p14:creationId xmlns:p14="http://schemas.microsoft.com/office/powerpoint/2010/main" val="377476400"/>
+        <p14:creationId xmlns:p14="http://schemas.microsoft.com/office/powerpoint/2010/main" xmlns="" val="377476400"/>
       </p:ext>
     </p:extLst>
   </p:cSld>
@@ -26846,7 +26846,7 @@
     </p:spTree>
     <p:extLst>
       <p:ext uri="{BB962C8B-B14F-4D97-AF65-F5344CB8AC3E}">
-        <p14:creationId xmlns:p14="http://schemas.microsoft.com/office/powerpoint/2010/main" val="2872123157"/>
+        <p14:creationId xmlns:p14="http://schemas.microsoft.com/office/powerpoint/2010/main" xmlns="" val="2872123157"/>
       </p:ext>
     </p:extLst>
   </p:cSld>
@@ -26993,7 +26993,7 @@
           <a:blip r:embed="rId5" cstate="print">
             <a:extLst>
               <a:ext uri="{28A0092B-C50C-407E-A947-70E740481C1C}">
-                <a14:useLocalDpi xmlns:a14="http://schemas.microsoft.com/office/drawing/2010/main" val="0"/>
+                <a14:useLocalDpi xmlns:a14="http://schemas.microsoft.com/office/drawing/2010/main" xmlns="" val="0"/>
               </a:ext>
             </a:extLst>
           </a:blip>
@@ -27013,7 +27013,7 @@
           <a:noFill/>
           <a:extLst>
             <a:ext uri="{909E8E84-426E-40DD-AFC4-6F175D3DCCD1}">
-              <a14:hiddenFill xmlns:a14="http://schemas.microsoft.com/office/drawing/2010/main">
+              <a14:hiddenFill xmlns:a14="http://schemas.microsoft.com/office/drawing/2010/main" xmlns="">
                 <a:solidFill>
                   <a:srgbClr val="FFFFFF"/>
                 </a:solidFill>
@@ -27025,7 +27025,7 @@
     </p:spTree>
     <p:extLst>
       <p:ext uri="{BB962C8B-B14F-4D97-AF65-F5344CB8AC3E}">
-        <p14:creationId xmlns:p14="http://schemas.microsoft.com/office/powerpoint/2010/main" val="1590623910"/>
+        <p14:creationId xmlns:p14="http://schemas.microsoft.com/office/powerpoint/2010/main" xmlns="" val="1590623910"/>
       </p:ext>
     </p:extLst>
   </p:cSld>
